--- a/01 - Introduction/Part 1 - Radar general concepts.pptx
+++ b/01 - Introduction/Part 1 - Radar general concepts.pptx
@@ -5,20 +5,23 @@
     <p:sldMasterId id="2147483712" r:id="rId1"/>
   </p:sldMasterIdLst>
   <p:notesMasterIdLst>
-    <p:notesMasterId r:id="rId13"/>
+    <p:notesMasterId r:id="rId16"/>
   </p:notesMasterIdLst>
   <p:sldIdLst>
     <p:sldId id="257" r:id="rId2"/>
-    <p:sldId id="259" r:id="rId3"/>
-    <p:sldId id="261" r:id="rId4"/>
-    <p:sldId id="258" r:id="rId5"/>
-    <p:sldId id="262" r:id="rId6"/>
-    <p:sldId id="263" r:id="rId7"/>
-    <p:sldId id="264" r:id="rId8"/>
-    <p:sldId id="265" r:id="rId9"/>
-    <p:sldId id="267" r:id="rId10"/>
-    <p:sldId id="268" r:id="rId11"/>
-    <p:sldId id="266" r:id="rId12"/>
+    <p:sldId id="270" r:id="rId3"/>
+    <p:sldId id="259" r:id="rId4"/>
+    <p:sldId id="261" r:id="rId5"/>
+    <p:sldId id="258" r:id="rId6"/>
+    <p:sldId id="262" r:id="rId7"/>
+    <p:sldId id="263" r:id="rId8"/>
+    <p:sldId id="264" r:id="rId9"/>
+    <p:sldId id="265" r:id="rId10"/>
+    <p:sldId id="267" r:id="rId11"/>
+    <p:sldId id="268" r:id="rId12"/>
+    <p:sldId id="269" r:id="rId13"/>
+    <p:sldId id="266" r:id="rId14"/>
+    <p:sldId id="271" r:id="rId15"/>
   </p:sldIdLst>
   <p:sldSz cx="12192000" cy="6858000"/>
   <p:notesSz cx="6858000" cy="9144000"/>
@@ -2400,57 +2403,57 @@
     </dgm:pt>
   </dgm:ptLst>
   <dgm:cxnLst>
+    <dgm:cxn modelId="{5C25BB02-FA66-40A4-9DA6-9E1CAE3A8D4E}" type="presOf" srcId="{C5146535-FD3D-4589-98A3-623B8DA4B8DB}" destId="{30804A27-188E-4A17-8FFE-97BCCA0597B8}" srcOrd="0" destOrd="0" presId="urn:microsoft.com/office/officeart/2016/7/layout/RoundedRectangleTimeline"/>
+    <dgm:cxn modelId="{0E9D2D04-4FD5-4EF8-8B7C-6B4A0B3E6092}" srcId="{24E5D3B2-7A98-493C-8692-D96D6A147AC8}" destId="{0C8B115B-41AF-4ADE-98C5-9C1315F0272C}" srcOrd="0" destOrd="0" parTransId="{2F524207-CFCE-41E1-9C4C-A4250CF41B35}" sibTransId="{E6DA23FE-155D-43C3-AB01-60E9820EC291}"/>
+    <dgm:cxn modelId="{8C5B110A-FBC3-4CBF-BED2-413E87D4DAD5}" srcId="{8DB5D7D5-6A1C-4ABC-8850-759A9D876047}" destId="{96262926-A67D-4E4E-9515-5EBC67F0B634}" srcOrd="0" destOrd="0" parTransId="{EC74E552-C501-4B0E-9400-E8B410F53D50}" sibTransId="{1DA7ACEB-F642-43C1-BCB5-F580B9B985B9}"/>
+    <dgm:cxn modelId="{84C67813-55CE-4EBC-9032-03BD847DC17E}" type="presOf" srcId="{6A70FD8F-0050-42E3-8B3A-6ED7CFB9852E}" destId="{AB52B3CC-6563-466D-BFC3-9B6B5AFA0881}" srcOrd="0" destOrd="0" presId="urn:microsoft.com/office/officeart/2016/7/layout/RoundedRectangleTimeline"/>
+    <dgm:cxn modelId="{4BDF6F14-B011-4BB6-8EF6-BFB134CBF43C}" srcId="{24E5D3B2-7A98-493C-8692-D96D6A147AC8}" destId="{092381D8-2E51-453D-9C49-305AA393C15A}" srcOrd="1" destOrd="0" parTransId="{5D354F82-42EF-40F5-9117-FA864855FCFB}" sibTransId="{0CE6E080-11A1-4206-8058-91AC7112B492}"/>
+    <dgm:cxn modelId="{92DC1018-32A2-4BAC-96F5-3FB4B445E5FD}" type="presOf" srcId="{90917E2B-2F4C-481F-B832-A0DDA698AF96}" destId="{BCD41995-2862-454A-88CF-476FB9B46BF2}" srcOrd="0" destOrd="0" presId="urn:microsoft.com/office/officeart/2016/7/layout/RoundedRectangleTimeline"/>
+    <dgm:cxn modelId="{22ECA226-C4EA-44F1-BCB5-77F78841DA6F}" type="presOf" srcId="{09C152DA-7620-4852-8162-A77EC3609F3F}" destId="{566B79CB-1A41-4F5C-BF91-58D94BF93913}" srcOrd="0" destOrd="0" presId="urn:microsoft.com/office/officeart/2016/7/layout/RoundedRectangleTimeline"/>
+    <dgm:cxn modelId="{D013F12E-E630-4535-A0DE-90AEC3BC3A96}" type="presOf" srcId="{6CBBFD8E-DA39-45A2-B781-5A67FD4BFBD2}" destId="{47FAA635-3B83-4DA4-8417-0BF9B62BC2FE}" srcOrd="0" destOrd="0" presId="urn:microsoft.com/office/officeart/2016/7/layout/RoundedRectangleTimeline"/>
+    <dgm:cxn modelId="{69919F63-FF18-4BA7-8607-152B831846A8}" srcId="{6A70FD8F-0050-42E3-8B3A-6ED7CFB9852E}" destId="{45682198-330F-41FC-A06F-9BF0D99E79C2}" srcOrd="3" destOrd="0" parTransId="{3D01D10D-F30F-43F0-A9E9-85D7DAD52045}" sibTransId="{E878F34F-13B1-47AE-A930-3732F85FEB3B}"/>
+    <dgm:cxn modelId="{20818964-D92B-4292-8E84-0F59628EBE96}" srcId="{C3C3997C-3832-4B2D-ABB0-001B5A038C5C}" destId="{F2AF242D-4A74-4833-98E6-7482427DCB7D}" srcOrd="0" destOrd="0" parTransId="{9655AF8B-B291-45C6-B003-89EF0EF3A0F5}" sibTransId="{80D87209-69BD-4567-A548-7AD8AFDDCADC}"/>
+    <dgm:cxn modelId="{40B2CC68-35D4-4E9B-B4A4-92B2BDDC5BCD}" type="presOf" srcId="{C3C3997C-3832-4B2D-ABB0-001B5A038C5C}" destId="{F3B9F493-F698-43D9-A9FF-F77AFC86E69E}" srcOrd="0" destOrd="0" presId="urn:microsoft.com/office/officeart/2016/7/layout/RoundedRectangleTimeline"/>
+    <dgm:cxn modelId="{6B26E86C-945F-4BA3-95AC-174FF2C3B99F}" type="presOf" srcId="{D71D6A6B-D304-4F98-8699-F8F396E2009D}" destId="{34895401-9CB0-40AE-BC57-6326BDEFD058}" srcOrd="0" destOrd="0" presId="urn:microsoft.com/office/officeart/2016/7/layout/RoundedRectangleTimeline"/>
+    <dgm:cxn modelId="{693F076F-972C-4444-871D-241C80E5E49A}" type="presOf" srcId="{45682198-330F-41FC-A06F-9BF0D99E79C2}" destId="{46309328-23F9-40CF-A2F8-5A252BCB4FB0}" srcOrd="0" destOrd="0" presId="urn:microsoft.com/office/officeart/2016/7/layout/RoundedRectangleTimeline"/>
+    <dgm:cxn modelId="{B397B96F-E026-4AA6-9A7B-694289A340AB}" type="presOf" srcId="{D7F5FC73-67AA-497A-A08E-E8C6FEBD295F}" destId="{F551A87D-C435-4523-A8D6-4671EE20581E}" srcOrd="0" destOrd="0" presId="urn:microsoft.com/office/officeart/2016/7/layout/RoundedRectangleTimeline"/>
+    <dgm:cxn modelId="{E2BBA750-A5E4-4F50-BE16-016934379F81}" type="presOf" srcId="{6C8937BE-93F8-4DED-8538-1C601DAEBA66}" destId="{B4723E2A-4FF1-452A-BD25-8EC364F15A6F}" srcOrd="0" destOrd="0" presId="urn:microsoft.com/office/officeart/2016/7/layout/RoundedRectangleTimeline"/>
+    <dgm:cxn modelId="{6AF26B75-1DE9-474C-88B7-6C536874A479}" srcId="{78FE962D-8415-4305-8960-3A6C19CAF6D9}" destId="{90917E2B-2F4C-481F-B832-A0DDA698AF96}" srcOrd="0" destOrd="0" parTransId="{AAA5DE2D-4B01-463D-8FCF-761E9EA56519}" sibTransId="{33C5BAFD-E23C-4D48-9C34-303A7AC485D5}"/>
+    <dgm:cxn modelId="{F9B2D375-40BE-4E5D-AA88-61805FBFF819}" type="presOf" srcId="{8DB5D7D5-6A1C-4ABC-8850-759A9D876047}" destId="{954381E7-0584-46DD-8108-E9BF4F2B5005}" srcOrd="0" destOrd="0" presId="urn:microsoft.com/office/officeart/2016/7/layout/RoundedRectangleTimeline"/>
+    <dgm:cxn modelId="{437C3459-3F06-46C6-B006-6295C6CAB472}" srcId="{5507412E-7123-4EB0-9F31-E986F5FC6112}" destId="{1C45B0A8-3E99-45C4-B633-F4E857B45928}" srcOrd="1" destOrd="0" parTransId="{9E47F298-B0E8-4637-BC15-A3038A173257}" sibTransId="{76A23BD8-3E64-4BFF-924C-894D46B38DAA}"/>
+    <dgm:cxn modelId="{0C19C879-BAC7-48D8-AFFE-8A0D46A4746F}" type="presOf" srcId="{F2AF242D-4A74-4833-98E6-7482427DCB7D}" destId="{217A830C-1CED-49A6-B683-E6265DCCD062}" srcOrd="0" destOrd="0" presId="urn:microsoft.com/office/officeart/2016/7/layout/RoundedRectangleTimeline"/>
+    <dgm:cxn modelId="{43E8157C-845F-495A-BD90-259647F3B688}" srcId="{3CE3E7D3-88C4-4A6E-A285-53FD2AA0627E}" destId="{D7F5FC73-67AA-497A-A08E-E8C6FEBD295F}" srcOrd="0" destOrd="0" parTransId="{071BC1F7-F8DD-4335-A868-47846479D31E}" sibTransId="{F437D0C8-F93C-4C44-8B6B-2E695238B8E0}"/>
+    <dgm:cxn modelId="{388F7E7D-7A93-4659-A605-D47E562E0469}" type="presOf" srcId="{78FE962D-8415-4305-8960-3A6C19CAF6D9}" destId="{74A1FE70-5BEC-4F8D-BDCC-D4FED2D7F9E2}" srcOrd="0" destOrd="0" presId="urn:microsoft.com/office/officeart/2016/7/layout/RoundedRectangleTimeline"/>
+    <dgm:cxn modelId="{8EBF857E-7408-4941-91E4-293B0F59EEF7}" srcId="{6A70FD8F-0050-42E3-8B3A-6ED7CFB9852E}" destId="{C5146535-FD3D-4589-98A3-623B8DA4B8DB}" srcOrd="1" destOrd="0" parTransId="{20848F78-EC70-4162-96CE-CC68006930F0}" sibTransId="{7A3CCAF8-AC3A-401E-AEDD-44BBC1AA9C31}"/>
+    <dgm:cxn modelId="{E04E5683-3354-4F4B-85BA-440839754F66}" srcId="{78FE962D-8415-4305-8960-3A6C19CAF6D9}" destId="{DF2CB298-44E6-4EF9-8CDD-22885BA54D4F}" srcOrd="1" destOrd="0" parTransId="{28E093F4-A5DF-41FB-991F-9327D7D3DEDD}" sibTransId="{E931C921-8939-417D-B082-E328A88B4876}"/>
+    <dgm:cxn modelId="{CA4F0284-E0EC-4E5F-AE75-DDCC22FEDA0B}" type="presOf" srcId="{5507412E-7123-4EB0-9F31-E986F5FC6112}" destId="{EEDCFD76-8D94-409B-B0CC-1547E230C739}" srcOrd="0" destOrd="0" presId="urn:microsoft.com/office/officeart/2016/7/layout/RoundedRectangleTimeline"/>
     <dgm:cxn modelId="{380FF584-D968-47E3-B536-2BD07B709A79}" srcId="{6A70FD8F-0050-42E3-8B3A-6ED7CFB9852E}" destId="{D71D6A6B-D304-4F98-8699-F8F396E2009D}" srcOrd="10" destOrd="0" parTransId="{138D9054-57C9-4764-9620-D8824BC38914}" sibTransId="{89BDA11A-777D-496D-AB35-2CE2E94B35BF}"/>
+    <dgm:cxn modelId="{635CE185-78FD-4E9F-BB54-5F360382A6D4}" type="presOf" srcId="{A21A4C63-4BA5-4E17-BA6A-9640F9A13E71}" destId="{5B90CA54-4FA4-4453-A4B0-7BF45CB6645E}" srcOrd="0" destOrd="0" presId="urn:microsoft.com/office/officeart/2016/7/layout/RoundedRectangleTimeline"/>
+    <dgm:cxn modelId="{23ECAC8B-17A4-4883-AA0E-06D66B7E788A}" srcId="{6A70FD8F-0050-42E3-8B3A-6ED7CFB9852E}" destId="{09C152DA-7620-4852-8162-A77EC3609F3F}" srcOrd="2" destOrd="0" parTransId="{9F6D14C0-6C82-4CBD-8D6D-B0E117B6F2ED}" sibTransId="{0AE8D36D-0F0F-4206-AE39-0A2D73987B68}"/>
+    <dgm:cxn modelId="{CA7E9D90-F5A0-490F-B39A-2732FCF4F6BE}" srcId="{6A70FD8F-0050-42E3-8B3A-6ED7CFB9852E}" destId="{5507412E-7123-4EB0-9F31-E986F5FC6112}" srcOrd="6" destOrd="0" parTransId="{614667EE-193B-467F-BBD2-841C9F3343BA}" sibTransId="{CF092B46-E2DB-4563-8898-4F9E86FC598A}"/>
+    <dgm:cxn modelId="{F9540599-A193-456C-A9A9-8962E3855B0B}" type="presOf" srcId="{96262926-A67D-4E4E-9515-5EBC67F0B634}" destId="{5A1B764B-0DC5-47CD-BDEA-9E67799496EC}" srcOrd="0" destOrd="0" presId="urn:microsoft.com/office/officeart/2016/7/layout/RoundedRectangleTimeline"/>
+    <dgm:cxn modelId="{38B5639A-16C0-470B-B246-4906BC9C6FF8}" srcId="{6A70FD8F-0050-42E3-8B3A-6ED7CFB9852E}" destId="{C3C3997C-3832-4B2D-ABB0-001B5A038C5C}" srcOrd="5" destOrd="0" parTransId="{F2D6B439-60C3-46C9-9134-1BB8CAEAB791}" sibTransId="{61AA5263-44A1-42B2-B0FE-63F597D0581D}"/>
+    <dgm:cxn modelId="{E13585A2-54F2-486A-B317-F4D6AF7E83B9}" type="presOf" srcId="{E80CA270-6C90-4E17-ACEA-46B56AD54DD1}" destId="{DF65791B-462E-4589-B98D-F60587330CA8}" srcOrd="0" destOrd="0" presId="urn:microsoft.com/office/officeart/2016/7/layout/RoundedRectangleTimeline"/>
+    <dgm:cxn modelId="{4E3446A8-5F7A-4B5A-8CFE-89332B85494A}" srcId="{0361E2E6-C954-4204-9FCB-9BA09718D5C4}" destId="{A21A4C63-4BA5-4E17-BA6A-9640F9A13E71}" srcOrd="0" destOrd="0" parTransId="{DFAE5A89-1ECC-4314-A2D7-49A81E92D8ED}" sibTransId="{EA1A14A2-BA32-4E6E-91CF-5545A643195C}"/>
+    <dgm:cxn modelId="{FD773EAB-9351-427F-8E9E-ED1B1542BCF1}" type="presOf" srcId="{0361E2E6-C954-4204-9FCB-9BA09718D5C4}" destId="{72E37E8A-FA58-4DC9-97B8-6C1F93AC067A}" srcOrd="0" destOrd="0" presId="urn:microsoft.com/office/officeart/2016/7/layout/RoundedRectangleTimeline"/>
+    <dgm:cxn modelId="{6D1AA6AC-7206-4999-AD96-5E297F6C1C0B}" type="presOf" srcId="{EAA5544E-3237-4566-8228-2756E0DB815B}" destId="{52A870BF-0585-48A0-8F62-127374A86E30}" srcOrd="0" destOrd="0" presId="urn:microsoft.com/office/officeart/2016/7/layout/RoundedRectangleTimeline"/>
+    <dgm:cxn modelId="{1393BEB6-10DB-450F-AFC7-B9326CEDB202}" type="presOf" srcId="{1C45B0A8-3E99-45C4-B633-F4E857B45928}" destId="{47FAA635-3B83-4DA4-8417-0BF9B62BC2FE}" srcOrd="0" destOrd="1" presId="urn:microsoft.com/office/officeart/2016/7/layout/RoundedRectangleTimeline"/>
+    <dgm:cxn modelId="{50C9B4B9-A929-4CD6-99B2-3433B0A6C2BB}" type="presOf" srcId="{092381D8-2E51-453D-9C49-305AA393C15A}" destId="{26190A61-FEEB-4C26-B52A-13BB015B30BC}" srcOrd="0" destOrd="1" presId="urn:microsoft.com/office/officeart/2016/7/layout/RoundedRectangleTimeline"/>
+    <dgm:cxn modelId="{A98555BB-9216-4FCA-B731-95365D83D853}" srcId="{D71D6A6B-D304-4F98-8699-F8F396E2009D}" destId="{BAEFF35D-EA23-404E-B7C9-E15B50E720BF}" srcOrd="0" destOrd="0" parTransId="{C523416E-C989-443A-BE87-6797E10EADAE}" sibTransId="{E8DEEC42-31D5-4C3F-A9E6-280DBE9AC5A1}"/>
+    <dgm:cxn modelId="{1B0E10C4-5A27-4353-B024-124C46649F32}" type="presOf" srcId="{DF2CB298-44E6-4EF9-8CDD-22885BA54D4F}" destId="{BCD41995-2862-454A-88CF-476FB9B46BF2}" srcOrd="0" destOrd="1" presId="urn:microsoft.com/office/officeart/2016/7/layout/RoundedRectangleTimeline"/>
+    <dgm:cxn modelId="{574AF3CB-A63A-437E-BF46-676C0F19B98A}" srcId="{6A70FD8F-0050-42E3-8B3A-6ED7CFB9852E}" destId="{78FE962D-8415-4305-8960-3A6C19CAF6D9}" srcOrd="7" destOrd="0" parTransId="{0484F0BA-9EF9-4FEA-ADD9-B389A00EC8BB}" sibTransId="{C374466F-0A5F-4122-B0F8-6AFB2B8EE5B9}"/>
     <dgm:cxn modelId="{0B4C5ACC-52EA-4B5B-8B10-D0CD353FA567}" type="presOf" srcId="{24E5D3B2-7A98-493C-8692-D96D6A147AC8}" destId="{9A4150DA-F945-4826-AC80-B8373C977BDB}" srcOrd="0" destOrd="0" presId="urn:microsoft.com/office/officeart/2016/7/layout/RoundedRectangleTimeline"/>
-    <dgm:cxn modelId="{A98555BB-9216-4FCA-B731-95365D83D853}" srcId="{D71D6A6B-D304-4F98-8699-F8F396E2009D}" destId="{BAEFF35D-EA23-404E-B7C9-E15B50E720BF}" srcOrd="0" destOrd="0" parTransId="{C523416E-C989-443A-BE87-6797E10EADAE}" sibTransId="{E8DEEC42-31D5-4C3F-A9E6-280DBE9AC5A1}"/>
-    <dgm:cxn modelId="{38B5639A-16C0-470B-B246-4906BC9C6FF8}" srcId="{6A70FD8F-0050-42E3-8B3A-6ED7CFB9852E}" destId="{C3C3997C-3832-4B2D-ABB0-001B5A038C5C}" srcOrd="5" destOrd="0" parTransId="{F2D6B439-60C3-46C9-9134-1BB8CAEAB791}" sibTransId="{61AA5263-44A1-42B2-B0FE-63F597D0581D}"/>
-    <dgm:cxn modelId="{4BDF6F14-B011-4BB6-8EF6-BFB134CBF43C}" srcId="{24E5D3B2-7A98-493C-8692-D96D6A147AC8}" destId="{092381D8-2E51-453D-9C49-305AA393C15A}" srcOrd="1" destOrd="0" parTransId="{5D354F82-42EF-40F5-9117-FA864855FCFB}" sibTransId="{0CE6E080-11A1-4206-8058-91AC7112B492}"/>
-    <dgm:cxn modelId="{437C3459-3F06-46C6-B006-6295C6CAB472}" srcId="{5507412E-7123-4EB0-9F31-E986F5FC6112}" destId="{1C45B0A8-3E99-45C4-B633-F4E857B45928}" srcOrd="1" destOrd="0" parTransId="{9E47F298-B0E8-4637-BC15-A3038A173257}" sibTransId="{76A23BD8-3E64-4BFF-924C-894D46B38DAA}"/>
-    <dgm:cxn modelId="{40B2CC68-35D4-4E9B-B4A4-92B2BDDC5BCD}" type="presOf" srcId="{C3C3997C-3832-4B2D-ABB0-001B5A038C5C}" destId="{F3B9F493-F698-43D9-A9FF-F77AFC86E69E}" srcOrd="0" destOrd="0" presId="urn:microsoft.com/office/officeart/2016/7/layout/RoundedRectangleTimeline"/>
+    <dgm:cxn modelId="{FAA8D3DD-12E8-457D-9144-B037C5678347}" srcId="{09C152DA-7620-4852-8162-A77EC3609F3F}" destId="{6C8937BE-93F8-4DED-8538-1C601DAEBA66}" srcOrd="0" destOrd="0" parTransId="{77D169C6-D77F-456D-B18B-D7BE016AD87A}" sibTransId="{A97BE953-FA9D-4BA6-A92C-494DB1F3BA59}"/>
+    <dgm:cxn modelId="{C5A1DBDE-1D37-43C4-895A-F32B5A063304}" srcId="{6A70FD8F-0050-42E3-8B3A-6ED7CFB9852E}" destId="{24E5D3B2-7A98-493C-8692-D96D6A147AC8}" srcOrd="9" destOrd="0" parTransId="{7C1DBBEE-7BC8-4B37-A7CF-8F512118101F}" sibTransId="{A262BA8E-0B3C-4723-9C1E-9199F71798EF}"/>
+    <dgm:cxn modelId="{C5202EE1-10E9-4076-9D55-9E0CF8B152AF}" srcId="{6A70FD8F-0050-42E3-8B3A-6ED7CFB9852E}" destId="{8DB5D7D5-6A1C-4ABC-8850-759A9D876047}" srcOrd="0" destOrd="0" parTransId="{D8874F40-D7B0-41DE-BB6F-A6014FEAB2D7}" sibTransId="{BD6E0A2E-99C8-4F5A-971A-CD211D1099FF}"/>
+    <dgm:cxn modelId="{E2FD8FE7-AA3D-40DF-92A0-23E177AB55E0}" srcId="{5507412E-7123-4EB0-9F31-E986F5FC6112}" destId="{6CBBFD8E-DA39-45A2-B781-5A67FD4BFBD2}" srcOrd="0" destOrd="0" parTransId="{DBDA5477-D7EB-4925-975D-8A4AEA94B4DD}" sibTransId="{D6334ED1-1414-48BD-8A55-A9A3350D013D}"/>
+    <dgm:cxn modelId="{75D698E7-50D5-4BAC-9B42-105C45EBF1A6}" srcId="{45682198-330F-41FC-A06F-9BF0D99E79C2}" destId="{EAA5544E-3237-4566-8228-2756E0DB815B}" srcOrd="0" destOrd="0" parTransId="{05C1A4B5-30F1-421D-A3F8-DFD3124612F1}" sibTransId="{3B24DB86-2397-432F-998D-0DCC689D4281}"/>
     <dgm:cxn modelId="{457E12EA-313C-44F7-AB74-660AB3A90217}" srcId="{6A70FD8F-0050-42E3-8B3A-6ED7CFB9852E}" destId="{3CE3E7D3-88C4-4A6E-A285-53FD2AA0627E}" srcOrd="8" destOrd="0" parTransId="{CDA67266-D879-4303-A788-1669BC4F9982}" sibTransId="{BC2D1C24-15E2-4169-AE20-030FA6623343}"/>
-    <dgm:cxn modelId="{8C5B110A-FBC3-4CBF-BED2-413E87D4DAD5}" srcId="{8DB5D7D5-6A1C-4ABC-8850-759A9D876047}" destId="{96262926-A67D-4E4E-9515-5EBC67F0B634}" srcOrd="0" destOrd="0" parTransId="{EC74E552-C501-4B0E-9400-E8B410F53D50}" sibTransId="{1DA7ACEB-F642-43C1-BCB5-F580B9B985B9}"/>
-    <dgm:cxn modelId="{22ECA226-C4EA-44F1-BCB5-77F78841DA6F}" type="presOf" srcId="{09C152DA-7620-4852-8162-A77EC3609F3F}" destId="{566B79CB-1A41-4F5C-BF91-58D94BF93913}" srcOrd="0" destOrd="0" presId="urn:microsoft.com/office/officeart/2016/7/layout/RoundedRectangleTimeline"/>
-    <dgm:cxn modelId="{23ECAC8B-17A4-4883-AA0E-06D66B7E788A}" srcId="{6A70FD8F-0050-42E3-8B3A-6ED7CFB9852E}" destId="{09C152DA-7620-4852-8162-A77EC3609F3F}" srcOrd="2" destOrd="0" parTransId="{9F6D14C0-6C82-4CBD-8D6D-B0E117B6F2ED}" sibTransId="{0AE8D36D-0F0F-4206-AE39-0A2D73987B68}"/>
-    <dgm:cxn modelId="{C5A1DBDE-1D37-43C4-895A-F32B5A063304}" srcId="{6A70FD8F-0050-42E3-8B3A-6ED7CFB9852E}" destId="{24E5D3B2-7A98-493C-8692-D96D6A147AC8}" srcOrd="9" destOrd="0" parTransId="{7C1DBBEE-7BC8-4B37-A7CF-8F512118101F}" sibTransId="{A262BA8E-0B3C-4723-9C1E-9199F71798EF}"/>
-    <dgm:cxn modelId="{4E3446A8-5F7A-4B5A-8CFE-89332B85494A}" srcId="{0361E2E6-C954-4204-9FCB-9BA09718D5C4}" destId="{A21A4C63-4BA5-4E17-BA6A-9640F9A13E71}" srcOrd="0" destOrd="0" parTransId="{DFAE5A89-1ECC-4314-A2D7-49A81E92D8ED}" sibTransId="{EA1A14A2-BA32-4E6E-91CF-5545A643195C}"/>
-    <dgm:cxn modelId="{0E9D2D04-4FD5-4EF8-8B7C-6B4A0B3E6092}" srcId="{24E5D3B2-7A98-493C-8692-D96D6A147AC8}" destId="{0C8B115B-41AF-4ADE-98C5-9C1315F0272C}" srcOrd="0" destOrd="0" parTransId="{2F524207-CFCE-41E1-9C4C-A4250CF41B35}" sibTransId="{E6DA23FE-155D-43C3-AB01-60E9820EC291}"/>
-    <dgm:cxn modelId="{FD773EAB-9351-427F-8E9E-ED1B1542BCF1}" type="presOf" srcId="{0361E2E6-C954-4204-9FCB-9BA09718D5C4}" destId="{72E37E8A-FA58-4DC9-97B8-6C1F93AC067A}" srcOrd="0" destOrd="0" presId="urn:microsoft.com/office/officeart/2016/7/layout/RoundedRectangleTimeline"/>
-    <dgm:cxn modelId="{1B0E10C4-5A27-4353-B024-124C46649F32}" type="presOf" srcId="{DF2CB298-44E6-4EF9-8CDD-22885BA54D4F}" destId="{BCD41995-2862-454A-88CF-476FB9B46BF2}" srcOrd="0" destOrd="1" presId="urn:microsoft.com/office/officeart/2016/7/layout/RoundedRectangleTimeline"/>
-    <dgm:cxn modelId="{43E8157C-845F-495A-BD90-259647F3B688}" srcId="{3CE3E7D3-88C4-4A6E-A285-53FD2AA0627E}" destId="{D7F5FC73-67AA-497A-A08E-E8C6FEBD295F}" srcOrd="0" destOrd="0" parTransId="{071BC1F7-F8DD-4335-A868-47846479D31E}" sibTransId="{F437D0C8-F93C-4C44-8B6B-2E695238B8E0}"/>
-    <dgm:cxn modelId="{6D1AA6AC-7206-4999-AD96-5E297F6C1C0B}" type="presOf" srcId="{EAA5544E-3237-4566-8228-2756E0DB815B}" destId="{52A870BF-0585-48A0-8F62-127374A86E30}" srcOrd="0" destOrd="0" presId="urn:microsoft.com/office/officeart/2016/7/layout/RoundedRectangleTimeline"/>
-    <dgm:cxn modelId="{20818964-D92B-4292-8E84-0F59628EBE96}" srcId="{C3C3997C-3832-4B2D-ABB0-001B5A038C5C}" destId="{F2AF242D-4A74-4833-98E6-7482427DCB7D}" srcOrd="0" destOrd="0" parTransId="{9655AF8B-B291-45C6-B003-89EF0EF3A0F5}" sibTransId="{80D87209-69BD-4567-A548-7AD8AFDDCADC}"/>
-    <dgm:cxn modelId="{69919F63-FF18-4BA7-8607-152B831846A8}" srcId="{6A70FD8F-0050-42E3-8B3A-6ED7CFB9852E}" destId="{45682198-330F-41FC-A06F-9BF0D99E79C2}" srcOrd="3" destOrd="0" parTransId="{3D01D10D-F30F-43F0-A9E9-85D7DAD52045}" sibTransId="{E878F34F-13B1-47AE-A930-3732F85FEB3B}"/>
-    <dgm:cxn modelId="{CA4F0284-E0EC-4E5F-AE75-DDCC22FEDA0B}" type="presOf" srcId="{5507412E-7123-4EB0-9F31-E986F5FC6112}" destId="{EEDCFD76-8D94-409B-B0CC-1547E230C739}" srcOrd="0" destOrd="0" presId="urn:microsoft.com/office/officeart/2016/7/layout/RoundedRectangleTimeline"/>
-    <dgm:cxn modelId="{6AF26B75-1DE9-474C-88B7-6C536874A479}" srcId="{78FE962D-8415-4305-8960-3A6C19CAF6D9}" destId="{90917E2B-2F4C-481F-B832-A0DDA698AF96}" srcOrd="0" destOrd="0" parTransId="{AAA5DE2D-4B01-463D-8FCF-761E9EA56519}" sibTransId="{33C5BAFD-E23C-4D48-9C34-303A7AC485D5}"/>
     <dgm:cxn modelId="{B54F94EA-F7EF-4E57-B085-6256F2DE732D}" type="presOf" srcId="{0C8B115B-41AF-4ADE-98C5-9C1315F0272C}" destId="{26190A61-FEEB-4C26-B52A-13BB015B30BC}" srcOrd="0" destOrd="0" presId="urn:microsoft.com/office/officeart/2016/7/layout/RoundedRectangleTimeline"/>
-    <dgm:cxn modelId="{FAA8D3DD-12E8-457D-9144-B037C5678347}" srcId="{09C152DA-7620-4852-8162-A77EC3609F3F}" destId="{6C8937BE-93F8-4DED-8538-1C601DAEBA66}" srcOrd="0" destOrd="0" parTransId="{77D169C6-D77F-456D-B18B-D7BE016AD87A}" sibTransId="{A97BE953-FA9D-4BA6-A92C-494DB1F3BA59}"/>
-    <dgm:cxn modelId="{8EBF857E-7408-4941-91E4-293B0F59EEF7}" srcId="{6A70FD8F-0050-42E3-8B3A-6ED7CFB9852E}" destId="{C5146535-FD3D-4589-98A3-623B8DA4B8DB}" srcOrd="1" destOrd="0" parTransId="{20848F78-EC70-4162-96CE-CC68006930F0}" sibTransId="{7A3CCAF8-AC3A-401E-AEDD-44BBC1AA9C31}"/>
-    <dgm:cxn modelId="{C5202EE1-10E9-4076-9D55-9E0CF8B152AF}" srcId="{6A70FD8F-0050-42E3-8B3A-6ED7CFB9852E}" destId="{8DB5D7D5-6A1C-4ABC-8850-759A9D876047}" srcOrd="0" destOrd="0" parTransId="{D8874F40-D7B0-41DE-BB6F-A6014FEAB2D7}" sibTransId="{BD6E0A2E-99C8-4F5A-971A-CD211D1099FF}"/>
-    <dgm:cxn modelId="{50C9B4B9-A929-4CD6-99B2-3433B0A6C2BB}" type="presOf" srcId="{092381D8-2E51-453D-9C49-305AA393C15A}" destId="{26190A61-FEEB-4C26-B52A-13BB015B30BC}" srcOrd="0" destOrd="1" presId="urn:microsoft.com/office/officeart/2016/7/layout/RoundedRectangleTimeline"/>
-    <dgm:cxn modelId="{693F076F-972C-4444-871D-241C80E5E49A}" type="presOf" srcId="{45682198-330F-41FC-A06F-9BF0D99E79C2}" destId="{46309328-23F9-40CF-A2F8-5A252BCB4FB0}" srcOrd="0" destOrd="0" presId="urn:microsoft.com/office/officeart/2016/7/layout/RoundedRectangleTimeline"/>
+    <dgm:cxn modelId="{72DAEAF2-7C26-4C68-AE7F-21DE701A2592}" type="presOf" srcId="{BAEFF35D-EA23-404E-B7C9-E15B50E720BF}" destId="{1DFEAB47-D62D-4B48-A2D1-67AD8EBCD4CB}" srcOrd="0" destOrd="0" presId="urn:microsoft.com/office/officeart/2016/7/layout/RoundedRectangleTimeline"/>
     <dgm:cxn modelId="{2DC28DF8-5C1B-4F53-A4C1-D5B63FB54BAF}" srcId="{C5146535-FD3D-4589-98A3-623B8DA4B8DB}" destId="{E80CA270-6C90-4E17-ACEA-46B56AD54DD1}" srcOrd="0" destOrd="0" parTransId="{7EEC8067-96EF-4BE0-8BE3-BA59ED78A31F}" sibTransId="{1AFE46E5-6B07-4894-8ECB-21BD7E7B8AF1}"/>
-    <dgm:cxn modelId="{F9540599-A193-456C-A9A9-8962E3855B0B}" type="presOf" srcId="{96262926-A67D-4E4E-9515-5EBC67F0B634}" destId="{5A1B764B-0DC5-47CD-BDEA-9E67799496EC}" srcOrd="0" destOrd="0" presId="urn:microsoft.com/office/officeart/2016/7/layout/RoundedRectangleTimeline"/>
-    <dgm:cxn modelId="{635CE185-78FD-4E9F-BB54-5F360382A6D4}" type="presOf" srcId="{A21A4C63-4BA5-4E17-BA6A-9640F9A13E71}" destId="{5B90CA54-4FA4-4453-A4B0-7BF45CB6645E}" srcOrd="0" destOrd="0" presId="urn:microsoft.com/office/officeart/2016/7/layout/RoundedRectangleTimeline"/>
-    <dgm:cxn modelId="{E04E5683-3354-4F4B-85BA-440839754F66}" srcId="{78FE962D-8415-4305-8960-3A6C19CAF6D9}" destId="{DF2CB298-44E6-4EF9-8CDD-22885BA54D4F}" srcOrd="1" destOrd="0" parTransId="{28E093F4-A5DF-41FB-991F-9327D7D3DEDD}" sibTransId="{E931C921-8939-417D-B082-E328A88B4876}"/>
-    <dgm:cxn modelId="{E2BBA750-A5E4-4F50-BE16-016934379F81}" type="presOf" srcId="{6C8937BE-93F8-4DED-8538-1C601DAEBA66}" destId="{B4723E2A-4FF1-452A-BD25-8EC364F15A6F}" srcOrd="0" destOrd="0" presId="urn:microsoft.com/office/officeart/2016/7/layout/RoundedRectangleTimeline"/>
-    <dgm:cxn modelId="{F9B2D375-40BE-4E5D-AA88-61805FBFF819}" type="presOf" srcId="{8DB5D7D5-6A1C-4ABC-8850-759A9D876047}" destId="{954381E7-0584-46DD-8108-E9BF4F2B5005}" srcOrd="0" destOrd="0" presId="urn:microsoft.com/office/officeart/2016/7/layout/RoundedRectangleTimeline"/>
-    <dgm:cxn modelId="{D013F12E-E630-4535-A0DE-90AEC3BC3A96}" type="presOf" srcId="{6CBBFD8E-DA39-45A2-B781-5A67FD4BFBD2}" destId="{47FAA635-3B83-4DA4-8417-0BF9B62BC2FE}" srcOrd="0" destOrd="0" presId="urn:microsoft.com/office/officeart/2016/7/layout/RoundedRectangleTimeline"/>
-    <dgm:cxn modelId="{CA7E9D90-F5A0-490F-B39A-2732FCF4F6BE}" srcId="{6A70FD8F-0050-42E3-8B3A-6ED7CFB9852E}" destId="{5507412E-7123-4EB0-9F31-E986F5FC6112}" srcOrd="6" destOrd="0" parTransId="{614667EE-193B-467F-BBD2-841C9F3343BA}" sibTransId="{CF092B46-E2DB-4563-8898-4F9E86FC598A}"/>
-    <dgm:cxn modelId="{92DC1018-32A2-4BAC-96F5-3FB4B445E5FD}" type="presOf" srcId="{90917E2B-2F4C-481F-B832-A0DDA698AF96}" destId="{BCD41995-2862-454A-88CF-476FB9B46BF2}" srcOrd="0" destOrd="0" presId="urn:microsoft.com/office/officeart/2016/7/layout/RoundedRectangleTimeline"/>
-    <dgm:cxn modelId="{B397B96F-E026-4AA6-9A7B-694289A340AB}" type="presOf" srcId="{D7F5FC73-67AA-497A-A08E-E8C6FEBD295F}" destId="{F551A87D-C435-4523-A8D6-4671EE20581E}" srcOrd="0" destOrd="0" presId="urn:microsoft.com/office/officeart/2016/7/layout/RoundedRectangleTimeline"/>
-    <dgm:cxn modelId="{72DAEAF2-7C26-4C68-AE7F-21DE701A2592}" type="presOf" srcId="{BAEFF35D-EA23-404E-B7C9-E15B50E720BF}" destId="{1DFEAB47-D62D-4B48-A2D1-67AD8EBCD4CB}" srcOrd="0" destOrd="0" presId="urn:microsoft.com/office/officeart/2016/7/layout/RoundedRectangleTimeline"/>
-    <dgm:cxn modelId="{574AF3CB-A63A-437E-BF46-676C0F19B98A}" srcId="{6A70FD8F-0050-42E3-8B3A-6ED7CFB9852E}" destId="{78FE962D-8415-4305-8960-3A6C19CAF6D9}" srcOrd="7" destOrd="0" parTransId="{0484F0BA-9EF9-4FEA-ADD9-B389A00EC8BB}" sibTransId="{C374466F-0A5F-4122-B0F8-6AFB2B8EE5B9}"/>
-    <dgm:cxn modelId="{75D698E7-50D5-4BAC-9B42-105C45EBF1A6}" srcId="{45682198-330F-41FC-A06F-9BF0D99E79C2}" destId="{EAA5544E-3237-4566-8228-2756E0DB815B}" srcOrd="0" destOrd="0" parTransId="{05C1A4B5-30F1-421D-A3F8-DFD3124612F1}" sibTransId="{3B24DB86-2397-432F-998D-0DCC689D4281}"/>
+    <dgm:cxn modelId="{BAC284FB-3EAF-4C69-BD03-97C83E31F8C3}" srcId="{6A70FD8F-0050-42E3-8B3A-6ED7CFB9852E}" destId="{0361E2E6-C954-4204-9FCB-9BA09718D5C4}" srcOrd="4" destOrd="0" parTransId="{41D65E4C-43FD-4CC6-B331-230B604804F6}" sibTransId="{D7509AA4-5BF7-484C-B37F-70140B9E273F}"/>
     <dgm:cxn modelId="{58A0E8FE-1886-4815-89E1-9E0E5923B9A4}" type="presOf" srcId="{3CE3E7D3-88C4-4A6E-A285-53FD2AA0627E}" destId="{D7E43FAB-614C-4C0B-885D-A7F42AC573DA}" srcOrd="0" destOrd="0" presId="urn:microsoft.com/office/officeart/2016/7/layout/RoundedRectangleTimeline"/>
-    <dgm:cxn modelId="{0C19C879-BAC7-48D8-AFFE-8A0D46A4746F}" type="presOf" srcId="{F2AF242D-4A74-4833-98E6-7482427DCB7D}" destId="{217A830C-1CED-49A6-B683-E6265DCCD062}" srcOrd="0" destOrd="0" presId="urn:microsoft.com/office/officeart/2016/7/layout/RoundedRectangleTimeline"/>
-    <dgm:cxn modelId="{6B26E86C-945F-4BA3-95AC-174FF2C3B99F}" type="presOf" srcId="{D71D6A6B-D304-4F98-8699-F8F396E2009D}" destId="{34895401-9CB0-40AE-BC57-6326BDEFD058}" srcOrd="0" destOrd="0" presId="urn:microsoft.com/office/officeart/2016/7/layout/RoundedRectangleTimeline"/>
-    <dgm:cxn modelId="{84C67813-55CE-4EBC-9032-03BD847DC17E}" type="presOf" srcId="{6A70FD8F-0050-42E3-8B3A-6ED7CFB9852E}" destId="{AB52B3CC-6563-466D-BFC3-9B6B5AFA0881}" srcOrd="0" destOrd="0" presId="urn:microsoft.com/office/officeart/2016/7/layout/RoundedRectangleTimeline"/>
-    <dgm:cxn modelId="{E13585A2-54F2-486A-B317-F4D6AF7E83B9}" type="presOf" srcId="{E80CA270-6C90-4E17-ACEA-46B56AD54DD1}" destId="{DF65791B-462E-4589-B98D-F60587330CA8}" srcOrd="0" destOrd="0" presId="urn:microsoft.com/office/officeart/2016/7/layout/RoundedRectangleTimeline"/>
-    <dgm:cxn modelId="{5C25BB02-FA66-40A4-9DA6-9E1CAE3A8D4E}" type="presOf" srcId="{C5146535-FD3D-4589-98A3-623B8DA4B8DB}" destId="{30804A27-188E-4A17-8FFE-97BCCA0597B8}" srcOrd="0" destOrd="0" presId="urn:microsoft.com/office/officeart/2016/7/layout/RoundedRectangleTimeline"/>
-    <dgm:cxn modelId="{388F7E7D-7A93-4659-A605-D47E562E0469}" type="presOf" srcId="{78FE962D-8415-4305-8960-3A6C19CAF6D9}" destId="{74A1FE70-5BEC-4F8D-BDCC-D4FED2D7F9E2}" srcOrd="0" destOrd="0" presId="urn:microsoft.com/office/officeart/2016/7/layout/RoundedRectangleTimeline"/>
-    <dgm:cxn modelId="{1393BEB6-10DB-450F-AFC7-B9326CEDB202}" type="presOf" srcId="{1C45B0A8-3E99-45C4-B633-F4E857B45928}" destId="{47FAA635-3B83-4DA4-8417-0BF9B62BC2FE}" srcOrd="0" destOrd="1" presId="urn:microsoft.com/office/officeart/2016/7/layout/RoundedRectangleTimeline"/>
-    <dgm:cxn modelId="{E2FD8FE7-AA3D-40DF-92A0-23E177AB55E0}" srcId="{5507412E-7123-4EB0-9F31-E986F5FC6112}" destId="{6CBBFD8E-DA39-45A2-B781-5A67FD4BFBD2}" srcOrd="0" destOrd="0" parTransId="{DBDA5477-D7EB-4925-975D-8A4AEA94B4DD}" sibTransId="{D6334ED1-1414-48BD-8A55-A9A3350D013D}"/>
-    <dgm:cxn modelId="{BAC284FB-3EAF-4C69-BD03-97C83E31F8C3}" srcId="{6A70FD8F-0050-42E3-8B3A-6ED7CFB9852E}" destId="{0361E2E6-C954-4204-9FCB-9BA09718D5C4}" srcOrd="4" destOrd="0" parTransId="{41D65E4C-43FD-4CC6-B331-230B604804F6}" sibTransId="{D7509AA4-5BF7-484C-B37F-70140B9E273F}"/>
     <dgm:cxn modelId="{76459B4A-BC95-4631-A3CC-1410E80D5DFD}" type="presParOf" srcId="{AB52B3CC-6563-466D-BFC3-9B6B5AFA0881}" destId="{815EDF7B-AC93-4A61-87AA-CAA5D85C31A8}" srcOrd="0" destOrd="0" presId="urn:microsoft.com/office/officeart/2016/7/layout/RoundedRectangleTimeline"/>
     <dgm:cxn modelId="{4238FA88-CE43-4680-BFB0-73DED5612698}" type="presParOf" srcId="{815EDF7B-AC93-4A61-87AA-CAA5D85C31A8}" destId="{954381E7-0584-46DD-8108-E9BF4F2B5005}" srcOrd="0" destOrd="0" presId="urn:microsoft.com/office/officeart/2016/7/layout/RoundedRectangleTimeline"/>
     <dgm:cxn modelId="{6497CE05-0893-4952-B18A-28D71D90B841}" type="presParOf" srcId="{815EDF7B-AC93-4A61-87AA-CAA5D85C31A8}" destId="{5A1B764B-0DC5-47CD-BDEA-9E67799496EC}" srcOrd="1" destOrd="0" presId="urn:microsoft.com/office/officeart/2016/7/layout/RoundedRectangleTimeline"/>
@@ -5475,7 +5478,7 @@
                 <dgm:adjLst/>
                 <dgm:extLst>
                   <a:ext uri="{B698B0E9-8C71-41B9-8309-B3DCBF30829C}">
-                    <dgm1612:spPr xmlns="" xmlns:dgm1612="http://schemas.microsoft.com/office/drawing/2016/12/diagram">
+                    <dgm1612:spPr xmlns:dgm1612="http://schemas.microsoft.com/office/drawing/2016/12/diagram">
                       <a:ln>
                         <a:prstDash val="dash"/>
                       </a:ln>
@@ -5686,7 +5689,7 @@
                 <dgm:adjLst/>
                 <dgm:extLst>
                   <a:ext uri="{B698B0E9-8C71-41B9-8309-B3DCBF30829C}">
-                    <dgm1612:spPr xmlns="" xmlns:dgm1612="http://schemas.microsoft.com/office/drawing/2016/12/diagram">
+                    <dgm1612:spPr xmlns:dgm1612="http://schemas.microsoft.com/office/drawing/2016/12/diagram">
                       <a:ln>
                         <a:prstDash val="dash"/>
                       </a:ln>
@@ -6848,7 +6851,7 @@
           <a:p>
             <a:fld id="{7F171A09-25F0-48F3-9FED-62B390501A9A}" type="datetimeFigureOut">
               <a:rPr lang="en-AU" smtClean="0"/>
-              <a:t>6/02/2020</a:t>
+              <a:t>4/02/2022</a:t>
             </a:fld>
             <a:endParaRPr lang="en-AU"/>
           </a:p>
@@ -7193,7 +7196,7 @@
           <a:p>
             <a:fld id="{27929939-4FEC-4A81-8656-0A5ECDAF0B9D}" type="slidenum">
               <a:rPr lang="en-AU" smtClean="0"/>
-              <a:t>2</a:t>
+              <a:t>3</a:t>
             </a:fld>
             <a:endParaRPr lang="en-AU"/>
           </a:p>
@@ -7203,6 +7206,112 @@
     <p:extLst>
       <p:ext uri="{BB962C8B-B14F-4D97-AF65-F5344CB8AC3E}">
         <p14:creationId xmlns:p14="http://schemas.microsoft.com/office/powerpoint/2010/main" val="1005841811"/>
+      </p:ext>
+    </p:extLst>
+  </p:cSld>
+  <p:clrMapOvr>
+    <a:masterClrMapping/>
+  </p:clrMapOvr>
+</p:notes>
+</file>
+
+<file path=ppt/notesSlides/notesSlide2.xml><?xml version="1.0" encoding="utf-8"?>
+<p:notes xmlns:a="http://schemas.openxmlformats.org/drawingml/2006/main" xmlns:r="http://schemas.openxmlformats.org/officeDocument/2006/relationships" xmlns:p="http://schemas.openxmlformats.org/presentationml/2006/main">
+  <p:cSld>
+    <p:spTree>
+      <p:nvGrpSpPr>
+        <p:cNvPr id="1" name=""/>
+        <p:cNvGrpSpPr/>
+        <p:nvPr/>
+      </p:nvGrpSpPr>
+      <p:grpSpPr>
+        <a:xfrm>
+          <a:off x="0" y="0"/>
+          <a:ext cx="0" cy="0"/>
+          <a:chOff x="0" y="0"/>
+          <a:chExt cx="0" cy="0"/>
+        </a:xfrm>
+      </p:grpSpPr>
+      <p:sp>
+        <p:nvSpPr>
+          <p:cNvPr id="2" name="Slide Image Placeholder 1"/>
+          <p:cNvSpPr>
+            <a:spLocks noGrp="1" noRot="1" noChangeAspect="1"/>
+          </p:cNvSpPr>
+          <p:nvPr>
+            <p:ph type="sldImg"/>
+          </p:nvPr>
+        </p:nvSpPr>
+        <p:spPr/>
+      </p:sp>
+      <p:sp>
+        <p:nvSpPr>
+          <p:cNvPr id="3" name="Notes Placeholder 2"/>
+          <p:cNvSpPr>
+            <a:spLocks noGrp="1"/>
+          </p:cNvSpPr>
+          <p:nvPr>
+            <p:ph type="body" idx="1"/>
+          </p:nvPr>
+        </p:nvSpPr>
+        <p:spPr/>
+        <p:txBody>
+          <a:bodyPr/>
+          <a:lstStyle/>
+          <a:p>
+            <a:r>
+              <a:rPr lang="en-US" dirty="0"/>
+              <a:t>1/ It generates a strong MW signal. </a:t>
+            </a:r>
+          </a:p>
+          <a:p>
+            <a:r>
+              <a:rPr lang="en-US" dirty="0"/>
+              <a:t>2/ It then focuses the signal in one direction to get information from targets that are located along that specific direction. This is the role of the antenna</a:t>
+            </a:r>
+          </a:p>
+          <a:p>
+            <a:r>
+              <a:rPr lang="en-US" dirty="0"/>
+              <a:t>3/ It receives a VERY faint echoes from the targets, the intensity of the returned signal being a tiny fraction of what was emitted. </a:t>
+            </a:r>
+          </a:p>
+          <a:p>
+            <a:r>
+              <a:rPr lang="en-US" dirty="0"/>
+              <a:t>4/ It then extracts as much raw data as possible from the received signal. E.G. target range, echo strength and velocity. </a:t>
+            </a:r>
+            <a:endParaRPr lang="en-AU" dirty="0"/>
+          </a:p>
+        </p:txBody>
+      </p:sp>
+      <p:sp>
+        <p:nvSpPr>
+          <p:cNvPr id="4" name="Slide Number Placeholder 3"/>
+          <p:cNvSpPr>
+            <a:spLocks noGrp="1"/>
+          </p:cNvSpPr>
+          <p:nvPr>
+            <p:ph type="sldNum" sz="quarter" idx="5"/>
+          </p:nvPr>
+        </p:nvSpPr>
+        <p:spPr/>
+        <p:txBody>
+          <a:bodyPr/>
+          <a:lstStyle/>
+          <a:p>
+            <a:fld id="{27929939-4FEC-4A81-8656-0A5ECDAF0B9D}" type="slidenum">
+              <a:rPr lang="en-AU" smtClean="0"/>
+              <a:t>4</a:t>
+            </a:fld>
+            <a:endParaRPr lang="en-AU"/>
+          </a:p>
+        </p:txBody>
+      </p:sp>
+    </p:spTree>
+    <p:extLst>
+      <p:ext uri="{BB962C8B-B14F-4D97-AF65-F5344CB8AC3E}">
+        <p14:creationId xmlns:p14="http://schemas.microsoft.com/office/powerpoint/2010/main" val="1161345651"/>
       </p:ext>
     </p:extLst>
   </p:cSld>
@@ -7450,7 +7559,7 @@
           <a:p>
             <a:fld id="{ED291B17-9318-49DB-B28B-6E5994AE9581}" type="datetime1">
               <a:rPr lang="en-US" smtClean="0"/>
-              <a:t>2/6/2020</a:t>
+              <a:t>2/4/2022</a:t>
             </a:fld>
             <a:endParaRPr lang="en-US" dirty="0"/>
           </a:p>
@@ -7653,7 +7762,7 @@
           <a:p>
             <a:fld id="{2CED4963-E985-44C4-B8C4-FDD613B7C2F8}" type="datetime1">
               <a:rPr lang="en-US" smtClean="0"/>
-              <a:t>2/6/2020</a:t>
+              <a:t>2/4/2022</a:t>
             </a:fld>
             <a:endParaRPr lang="en-US" dirty="0"/>
           </a:p>
@@ -8015,7 +8124,7 @@
           <a:p>
             <a:fld id="{ED291B17-9318-49DB-B28B-6E5994AE9581}" type="datetime1">
               <a:rPr lang="en-US" smtClean="0"/>
-              <a:t>2/6/2020</a:t>
+              <a:t>2/4/2022</a:t>
             </a:fld>
             <a:endParaRPr lang="en-US" dirty="0"/>
           </a:p>
@@ -8213,7 +8322,7 @@
           <a:p>
             <a:fld id="{78DD82B9-B8EE-4375-B6FF-88FA6ABB15D9}" type="datetime1">
               <a:rPr lang="en-US" smtClean="0"/>
-              <a:t>2/6/2020</a:t>
+              <a:t>2/4/2022</a:t>
             </a:fld>
             <a:endParaRPr lang="en-US" dirty="0"/>
           </a:p>
@@ -8525,7 +8634,7 @@
           <a:p>
             <a:fld id="{B2497495-0637-405E-AE64-5CC7506D51F5}" type="datetime1">
               <a:rPr lang="en-US" smtClean="0"/>
-              <a:t>2/6/2020</a:t>
+              <a:t>2/4/2022</a:t>
             </a:fld>
             <a:endParaRPr lang="en-US" dirty="0"/>
           </a:p>
@@ -8778,7 +8887,7 @@
           <a:p>
             <a:fld id="{7BFFD690-9426-415D-8B65-26881E07B2D4}" type="datetime1">
               <a:rPr lang="en-US" smtClean="0"/>
-              <a:t>2/6/2020</a:t>
+              <a:t>2/4/2022</a:t>
             </a:fld>
             <a:endParaRPr lang="en-US" dirty="0"/>
           </a:p>
@@ -9200,7 +9309,7 @@
           <a:p>
             <a:fld id="{04C4989A-474C-40DE-95B9-011C28B71673}" type="datetime1">
               <a:rPr lang="en-US" smtClean="0"/>
-              <a:t>2/6/2020</a:t>
+              <a:t>2/4/2022</a:t>
             </a:fld>
             <a:endParaRPr lang="en-US" dirty="0"/>
           </a:p>
@@ -9323,7 +9432,7 @@
           <a:p>
             <a:fld id="{5DB4ED54-5B5E-4A04-93D3-5772E3CE3818}" type="datetime1">
               <a:rPr lang="en-US" smtClean="0"/>
-              <a:t>2/6/2020</a:t>
+              <a:t>2/4/2022</a:t>
             </a:fld>
             <a:endParaRPr lang="en-US" dirty="0"/>
           </a:p>
@@ -9418,7 +9527,7 @@
           <a:p>
             <a:fld id="{4EDE50D6-574B-40AF-946F-D52A04ADE379}" type="datetime1">
               <a:rPr lang="en-US" smtClean="0"/>
-              <a:t>2/6/2020</a:t>
+              <a:t>2/4/2022</a:t>
             </a:fld>
             <a:endParaRPr lang="en-US" dirty="0"/>
           </a:p>
@@ -9795,7 +9904,7 @@
           <a:p>
             <a:fld id="{D82884F1-FFEA-405F-9602-3DCA865EDA4E}" type="datetime1">
               <a:rPr lang="en-US" smtClean="0"/>
-              <a:t>2/6/2020</a:t>
+              <a:t>2/4/2022</a:t>
             </a:fld>
             <a:endParaRPr lang="en-US" dirty="0"/>
           </a:p>
@@ -10088,7 +10197,7 @@
           <a:p>
             <a:fld id="{7E18DB4A-8810-4A10-AD5C-D5E2C667F5B3}" type="datetime1">
               <a:rPr lang="en-US" smtClean="0"/>
-              <a:t>2/6/2020</a:t>
+              <a:t>2/4/2022</a:t>
             </a:fld>
             <a:endParaRPr lang="en-US" dirty="0"/>
           </a:p>
@@ -10303,7 +10412,7 @@
           <a:p>
             <a:fld id="{ED291B17-9318-49DB-B28B-6E5994AE9581}" type="datetime1">
               <a:rPr lang="en-US" smtClean="0"/>
-              <a:t>2/6/2020</a:t>
+              <a:t>2/4/2022</a:t>
             </a:fld>
             <a:endParaRPr lang="en-US" dirty="0"/>
           </a:p>
@@ -10951,7 +11060,7 @@
                 <a16:creationId xmlns:a16="http://schemas.microsoft.com/office/drawing/2014/main" id="{D6D7A0BC-0046-4CAA-8E7F-DCAFE511EA0E}"/>
               </a:ext>
               <a:ext uri="{C183D7F6-B498-43B3-948B-1728B52AA6E4}">
-                <adec:decorative xmlns="" xmlns:adec="http://schemas.microsoft.com/office/drawing/2017/decorative" val="1"/>
+                <adec:decorative xmlns:adec="http://schemas.microsoft.com/office/drawing/2017/decorative" val="1"/>
               </a:ext>
             </a:extLst>
           </p:cNvPr>
@@ -11075,7 +11184,7 @@
           <a:p>
             <a:r>
               <a:rPr lang="en-US" dirty="0"/>
-              <a:t>AMOS – 9 Feb. 2020 – Freemantle</a:t>
+              <a:t>ISCHMO 8 Feb. 2022 – Christchurch, NZ</a:t>
             </a:r>
           </a:p>
           <a:p>
@@ -11091,7 +11200,7 @@
                 <a16:creationId xmlns:a16="http://schemas.microsoft.com/office/drawing/2014/main" id="{E7C6334F-6411-41EC-AD7D-179EDD8B58CB}"/>
               </a:ext>
               <a:ext uri="{C183D7F6-B498-43B3-948B-1728B52AA6E4}">
-                <adec:decorative xmlns="" xmlns:adec="http://schemas.microsoft.com/office/drawing/2017/decorative" val="1"/>
+                <adec:decorative xmlns:adec="http://schemas.microsoft.com/office/drawing/2017/decorative" val="1"/>
               </a:ext>
             </a:extLst>
           </p:cNvPr>
@@ -11145,7 +11254,7 @@
                 <a16:creationId xmlns:a16="http://schemas.microsoft.com/office/drawing/2014/main" id="{E6B02CEE-3AF8-4349-9B3E-8970E6DF62B3}"/>
               </a:ext>
               <a:ext uri="{C183D7F6-B498-43B3-948B-1728B52AA6E4}">
-                <adec:decorative xmlns="" xmlns:adec="http://schemas.microsoft.com/office/drawing/2017/decorative" val="1"/>
+                <adec:decorative xmlns:adec="http://schemas.microsoft.com/office/drawing/2017/decorative" val="1"/>
               </a:ext>
             </a:extLst>
           </p:cNvPr>
@@ -11199,7 +11308,7 @@
                 <a16:creationId xmlns:a16="http://schemas.microsoft.com/office/drawing/2014/main" id="{AAA01CF0-3FB5-44EB-B7DE-F2E86374C2FB}"/>
               </a:ext>
               <a:ext uri="{C183D7F6-B498-43B3-948B-1728B52AA6E4}">
-                <adec:decorative xmlns="" xmlns:adec="http://schemas.microsoft.com/office/drawing/2017/decorative" val="1"/>
+                <adec:decorative xmlns:adec="http://schemas.microsoft.com/office/drawing/2017/decorative" val="1"/>
               </a:ext>
             </a:extLst>
           </p:cNvPr>
@@ -11247,7 +11356,13 @@
       </p:sp>
       <p:pic>
         <p:nvPicPr>
-          <p:cNvPr id="4" name="Picture 3"/>
+          <p:cNvPr id="6" name="Picture 5" descr="A large ship in the water&#10;&#10;Description automatically generated with medium confidence">
+            <a:extLst>
+              <a:ext uri="{FF2B5EF4-FFF2-40B4-BE49-F238E27FC236}">
+                <a16:creationId xmlns:a16="http://schemas.microsoft.com/office/drawing/2014/main" id="{811A46F1-ACCC-4F8C-9227-7F65EB5EC62F}"/>
+              </a:ext>
+            </a:extLst>
+          </p:cNvPr>
           <p:cNvPicPr>
             <a:picLocks noChangeAspect="1"/>
           </p:cNvPicPr>
@@ -11267,8 +11382,8 @@
         </p:blipFill>
         <p:spPr>
           <a:xfrm>
-            <a:off x="8756073" y="0"/>
-            <a:ext cx="3435927" cy="6871854"/>
+            <a:off x="6742458" y="719011"/>
+            <a:ext cx="5200650" cy="5972175"/>
           </a:xfrm>
           <a:prstGeom prst="rect">
             <a:avLst/>
@@ -11289,6 +11404,245 @@
 </file>
 
 <file path=ppt/slides/slide10.xml><?xml version="1.0" encoding="utf-8"?>
+<p:sld xmlns:a="http://schemas.openxmlformats.org/drawingml/2006/main" xmlns:r="http://schemas.openxmlformats.org/officeDocument/2006/relationships" xmlns:p="http://schemas.openxmlformats.org/presentationml/2006/main">
+  <p:cSld>
+    <p:spTree>
+      <p:nvGrpSpPr>
+        <p:cNvPr id="1" name=""/>
+        <p:cNvGrpSpPr/>
+        <p:nvPr/>
+      </p:nvGrpSpPr>
+      <p:grpSpPr>
+        <a:xfrm>
+          <a:off x="0" y="0"/>
+          <a:ext cx="0" cy="0"/>
+          <a:chOff x="0" y="0"/>
+          <a:chExt cx="0" cy="0"/>
+        </a:xfrm>
+      </p:grpSpPr>
+      <p:sp>
+        <p:nvSpPr>
+          <p:cNvPr id="2" name="Title 1"/>
+          <p:cNvSpPr>
+            <a:spLocks noGrp="1"/>
+          </p:cNvSpPr>
+          <p:nvPr>
+            <p:ph type="title"/>
+          </p:nvPr>
+        </p:nvSpPr>
+        <p:spPr/>
+        <p:txBody>
+          <a:bodyPr/>
+          <a:lstStyle/>
+          <a:p>
+            <a:r>
+              <a:rPr lang="en-AU" dirty="0"/>
+              <a:t>What you should know about radars:</a:t>
+            </a:r>
+          </a:p>
+        </p:txBody>
+      </p:sp>
+      <mc:AlternateContent xmlns:mc="http://schemas.openxmlformats.org/markup-compatibility/2006" xmlns:a14="http://schemas.microsoft.com/office/drawing/2010/main">
+        <mc:Choice Requires="a14">
+          <p:sp>
+            <p:nvSpPr>
+              <p:cNvPr id="3" name="Content Placeholder 2"/>
+              <p:cNvSpPr>
+                <a:spLocks noGrp="1"/>
+              </p:cNvSpPr>
+              <p:nvPr>
+                <p:ph idx="1"/>
+              </p:nvPr>
+            </p:nvSpPr>
+            <p:spPr/>
+            <p:txBody>
+              <a:bodyPr/>
+              <a:lstStyle/>
+              <a:p>
+                <a:r>
+                  <a:rPr lang="en-AU" dirty="0"/>
+                  <a:t>Note that because the reflectivity is proportional to the number of particles measured in one pulse, it is a huge number. So we prefer to use a logarithmic scale:</a:t>
+                </a:r>
+              </a:p>
+              <a:p>
+                <a:pPr marL="0" indent="0">
+                  <a:buNone/>
+                </a:pPr>
+                <a14:m>
+                  <m:oMathPara xmlns:m="http://schemas.openxmlformats.org/officeDocument/2006/math">
+                    <m:oMathParaPr>
+                      <m:jc m:val="centerGroup"/>
+                    </m:oMathParaPr>
+                    <m:oMath xmlns:m="http://schemas.openxmlformats.org/officeDocument/2006/math">
+                      <m:sSub>
+                        <m:sSubPr>
+                          <m:ctrlPr>
+                            <a:rPr lang="en-AU" sz="2000" b="0" i="1" smtClean="0">
+                              <a:latin typeface="Cambria Math" panose="02040503050406030204" pitchFamily="18" charset="0"/>
+                            </a:rPr>
+                          </m:ctrlPr>
+                        </m:sSubPr>
+                        <m:e>
+                          <m:r>
+                            <a:rPr lang="en-AU" sz="2000" b="0" i="1" smtClean="0">
+                              <a:latin typeface="Cambria Math" panose="02040503050406030204" pitchFamily="18" charset="0"/>
+                            </a:rPr>
+                            <m:t>𝑍</m:t>
+                          </m:r>
+                        </m:e>
+                        <m:sub>
+                          <m:r>
+                            <a:rPr lang="en-AU" sz="2000" b="0" i="1" smtClean="0">
+                              <a:latin typeface="Cambria Math" panose="02040503050406030204" pitchFamily="18" charset="0"/>
+                            </a:rPr>
+                            <m:t>𝑒</m:t>
+                          </m:r>
+                        </m:sub>
+                      </m:sSub>
+                      <m:d>
+                        <m:dPr>
+                          <m:ctrlPr>
+                            <a:rPr lang="en-AU" sz="2000" b="0" i="1" smtClean="0">
+                              <a:latin typeface="Cambria Math" panose="02040503050406030204" pitchFamily="18" charset="0"/>
+                            </a:rPr>
+                          </m:ctrlPr>
+                        </m:dPr>
+                        <m:e>
+                          <m:r>
+                            <a:rPr lang="en-AU" sz="2000" b="0" i="1" smtClean="0">
+                              <a:latin typeface="Cambria Math" panose="02040503050406030204" pitchFamily="18" charset="0"/>
+                            </a:rPr>
+                            <m:t>𝑑𝐵𝑍</m:t>
+                          </m:r>
+                        </m:e>
+                      </m:d>
+                      <m:r>
+                        <a:rPr lang="en-AU" sz="2000" b="0" i="1" smtClean="0">
+                          <a:latin typeface="Cambria Math" panose="02040503050406030204" pitchFamily="18" charset="0"/>
+                        </a:rPr>
+                        <m:t>=10</m:t>
+                      </m:r>
+                      <m:func>
+                        <m:funcPr>
+                          <m:ctrlPr>
+                            <a:rPr lang="en-AU" sz="2000" b="0" i="1" smtClean="0">
+                              <a:latin typeface="Cambria Math" panose="02040503050406030204" pitchFamily="18" charset="0"/>
+                            </a:rPr>
+                          </m:ctrlPr>
+                        </m:funcPr>
+                        <m:fName>
+                          <m:r>
+                            <m:rPr>
+                              <m:sty m:val="p"/>
+                            </m:rPr>
+                            <a:rPr lang="en-AU" sz="2000" b="0" i="0" smtClean="0">
+                              <a:latin typeface="Cambria Math" panose="02040503050406030204" pitchFamily="18" charset="0"/>
+                            </a:rPr>
+                            <m:t>log</m:t>
+                          </m:r>
+                        </m:fName>
+                        <m:e>
+                          <m:r>
+                            <a:rPr lang="en-AU" sz="2000" b="0" i="1" smtClean="0">
+                              <a:latin typeface="Cambria Math" panose="02040503050406030204" pitchFamily="18" charset="0"/>
+                            </a:rPr>
+                            <m:t>𝑍</m:t>
+                          </m:r>
+                        </m:e>
+                      </m:func>
+                    </m:oMath>
+                  </m:oMathPara>
+                </a14:m>
+                <a:endParaRPr lang="en-AU" sz="2000" dirty="0"/>
+              </a:p>
+              <a:p>
+                <a:pPr marL="0" indent="0">
+                  <a:buNone/>
+                </a:pPr>
+                <a:r>
+                  <a:rPr lang="en-AU" sz="1800" dirty="0" err="1"/>
+                  <a:t>dBZ</a:t>
+                </a:r>
+                <a:r>
+                  <a:rPr lang="en-AU" sz="1800" dirty="0"/>
+                  <a:t> is the unit decibel of Z. </a:t>
+                </a:r>
+                <a:r>
+                  <a:rPr lang="en-AU" sz="1800" dirty="0" err="1"/>
+                  <a:t>Ze</a:t>
+                </a:r>
+                <a:r>
+                  <a:rPr lang="en-AU" sz="1800" dirty="0"/>
+                  <a:t> is the equivalent reflectivity factor, but we just call it </a:t>
+                </a:r>
+                <a:r>
+                  <a:rPr lang="en-AU" sz="1800" b="1" dirty="0"/>
+                  <a:t>reflectivity</a:t>
+                </a:r>
+                <a:r>
+                  <a:rPr lang="en-AU" sz="1800" dirty="0"/>
+                  <a:t>. Z is the natural reflectivity and we call it, generally, the </a:t>
+                </a:r>
+                <a:r>
+                  <a:rPr lang="en-AU" sz="1800" b="1" dirty="0"/>
+                  <a:t>linear reflectivity</a:t>
+                </a:r>
+                <a:r>
+                  <a:rPr lang="en-AU" sz="1800" dirty="0"/>
+                  <a:t>.</a:t>
+                </a:r>
+              </a:p>
+            </p:txBody>
+          </p:sp>
+        </mc:Choice>
+        <mc:Fallback xmlns="">
+          <p:sp>
+            <p:nvSpPr>
+              <p:cNvPr id="3" name="Content Placeholder 2"/>
+              <p:cNvSpPr>
+                <a:spLocks noGrp="1" noRot="1" noChangeAspect="1" noMove="1" noResize="1" noEditPoints="1" noAdjustHandles="1" noChangeArrowheads="1" noChangeShapeType="1" noTextEdit="1"/>
+              </p:cNvSpPr>
+              <p:nvPr>
+                <p:ph idx="1"/>
+              </p:nvPr>
+            </p:nvSpPr>
+            <p:spPr>
+              <a:blipFill>
+                <a:blip r:embed="rId2"/>
+                <a:stretch>
+                  <a:fillRect l="-442"/>
+                </a:stretch>
+              </a:blipFill>
+            </p:spPr>
+            <p:txBody>
+              <a:bodyPr/>
+              <a:lstStyle/>
+              <a:p>
+                <a:r>
+                  <a:rPr lang="en-AU">
+                    <a:noFill/>
+                  </a:rPr>
+                  <a:t> </a:t>
+                </a:r>
+              </a:p>
+            </p:txBody>
+          </p:sp>
+        </mc:Fallback>
+      </mc:AlternateContent>
+    </p:spTree>
+    <p:extLst>
+      <p:ext uri="{BB962C8B-B14F-4D97-AF65-F5344CB8AC3E}">
+        <p14:creationId xmlns:p14="http://schemas.microsoft.com/office/powerpoint/2010/main" val="108369842"/>
+      </p:ext>
+    </p:extLst>
+  </p:cSld>
+  <p:clrMapOvr>
+    <a:masterClrMapping/>
+  </p:clrMapOvr>
+</p:sld>
+</file>
+
+<file path=ppt/slides/slide11.xml><?xml version="1.0" encoding="utf-8"?>
 <p:sld xmlns:a="http://schemas.openxmlformats.org/drawingml/2006/main" xmlns:r="http://schemas.openxmlformats.org/officeDocument/2006/relationships" xmlns:p="http://schemas.openxmlformats.org/presentationml/2006/main">
   <p:cSld>
     <p:spTree>
@@ -11414,14 +11768,14 @@
           <p:nvPr>
             <p:extLst>
               <p:ext uri="{D42A27DB-BD31-4B8C-83A1-F6EECF244321}">
-                <p14:modId xmlns:p14="http://schemas.microsoft.com/office/powerpoint/2010/main" val="1495778877"/>
+                <p14:modId xmlns:p14="http://schemas.microsoft.com/office/powerpoint/2010/main" val="1990269822"/>
               </p:ext>
             </p:extLst>
           </p:nvPr>
         </p:nvGraphicFramePr>
         <p:xfrm>
-          <a:off x="4327525" y="1033991"/>
-          <a:ext cx="6760887" cy="5191760"/>
+          <a:off x="6049617" y="1033991"/>
+          <a:ext cx="5038794" cy="5461000"/>
         </p:xfrm>
         <a:graphic>
           <a:graphicData uri="http://schemas.openxmlformats.org/drawingml/2006/table">
@@ -11430,21 +11784,21 @@
                 <a:tableStyleId>{5C22544A-7EE6-4342-B048-85BDC9FD1C3A}</a:tableStyleId>
               </a:tblPr>
               <a:tblGrid>
-                <a:gridCol w="1855343">
+                <a:gridCol w="1382761">
                   <a:extLst>
                     <a:ext uri="{9D8B030D-6E8A-4147-A177-3AD203B41FA5}">
                       <a16:colId xmlns:a16="http://schemas.microsoft.com/office/drawing/2014/main" val="1177149252"/>
                     </a:ext>
                   </a:extLst>
                 </a:gridCol>
-                <a:gridCol w="2196211">
+                <a:gridCol w="1636805">
                   <a:extLst>
                     <a:ext uri="{9D8B030D-6E8A-4147-A177-3AD203B41FA5}">
                       <a16:colId xmlns:a16="http://schemas.microsoft.com/office/drawing/2014/main" val="4270271240"/>
                     </a:ext>
                   </a:extLst>
                 </a:gridCol>
-                <a:gridCol w="2709333">
+                <a:gridCol w="2019228">
                   <a:extLst>
                     <a:ext uri="{9D8B030D-6E8A-4147-A177-3AD203B41FA5}">
                       <a16:colId xmlns:a16="http://schemas.microsoft.com/office/drawing/2014/main" val="2534442745"/>
@@ -12256,7 +12610,7 @@
                     <a:p>
                       <a:pPr algn="r" fontAlgn="ctr"/>
                       <a:r>
-                        <a:rPr lang="en-AU" sz="1100" b="0" i="0" u="none" strike="noStrike">
+                        <a:rPr lang="en-AU" sz="1100" b="0" i="0" u="none" strike="noStrike" dirty="0">
                           <a:solidFill>
                             <a:srgbClr val="222222"/>
                           </a:solidFill>
@@ -12388,7 +12742,115 @@
       </p:graphicFrame>
       <p:pic>
         <p:nvPicPr>
-          <p:cNvPr id="1027" name="Picture 3" descr="https://upload.wikimedia.org/wikipedia/commons/f/fe/NOAA_Doppler_DBZ_scale.jpg"/>
+          <p:cNvPr id="3" name="Picture 2" descr="Map&#10;&#10;Description automatically generated">
+            <a:extLst>
+              <a:ext uri="{FF2B5EF4-FFF2-40B4-BE49-F238E27FC236}">
+                <a16:creationId xmlns:a16="http://schemas.microsoft.com/office/drawing/2014/main" id="{3EC0270A-687C-4FA7-A127-CC5F4B755BD4}"/>
+              </a:ext>
+            </a:extLst>
+          </p:cNvPr>
+          <p:cNvPicPr>
+            <a:picLocks noChangeAspect="1"/>
+          </p:cNvPicPr>
+          <p:nvPr/>
+        </p:nvPicPr>
+        <p:blipFill>
+          <a:blip r:embed="rId2">
+            <a:extLst>
+              <a:ext uri="{28A0092B-C50C-407E-A947-70E740481C1C}">
+                <a14:useLocalDpi xmlns:a14="http://schemas.microsoft.com/office/drawing/2010/main" val="0"/>
+              </a:ext>
+            </a:extLst>
+          </a:blip>
+          <a:stretch>
+            <a:fillRect/>
+          </a:stretch>
+        </p:blipFill>
+        <p:spPr>
+          <a:xfrm>
+            <a:off x="578954" y="1033991"/>
+            <a:ext cx="4991100" cy="5372100"/>
+          </a:xfrm>
+          <a:prstGeom prst="rect">
+            <a:avLst/>
+          </a:prstGeom>
+        </p:spPr>
+      </p:pic>
+    </p:spTree>
+    <p:extLst>
+      <p:ext uri="{BB962C8B-B14F-4D97-AF65-F5344CB8AC3E}">
+        <p14:creationId xmlns:p14="http://schemas.microsoft.com/office/powerpoint/2010/main" val="4050522188"/>
+      </p:ext>
+    </p:extLst>
+  </p:cSld>
+  <p:clrMapOvr>
+    <a:masterClrMapping/>
+  </p:clrMapOvr>
+</p:sld>
+</file>
+
+<file path=ppt/slides/slide12.xml><?xml version="1.0" encoding="utf-8"?>
+<p:sld xmlns:a="http://schemas.openxmlformats.org/drawingml/2006/main" xmlns:r="http://schemas.openxmlformats.org/officeDocument/2006/relationships" xmlns:p="http://schemas.openxmlformats.org/presentationml/2006/main">
+  <p:cSld>
+    <p:spTree>
+      <p:nvGrpSpPr>
+        <p:cNvPr id="1" name=""/>
+        <p:cNvGrpSpPr/>
+        <p:nvPr/>
+      </p:nvGrpSpPr>
+      <p:grpSpPr>
+        <a:xfrm>
+          <a:off x="0" y="0"/>
+          <a:ext cx="0" cy="0"/>
+          <a:chOff x="0" y="0"/>
+          <a:chExt cx="0" cy="0"/>
+        </a:xfrm>
+      </p:grpSpPr>
+      <p:sp>
+        <p:nvSpPr>
+          <p:cNvPr id="2" name="Title 1">
+            <a:extLst>
+              <a:ext uri="{FF2B5EF4-FFF2-40B4-BE49-F238E27FC236}">
+                <a16:creationId xmlns:a16="http://schemas.microsoft.com/office/drawing/2014/main" id="{30EF723D-23E9-4417-B161-B432A7E5B46F}"/>
+              </a:ext>
+            </a:extLst>
+          </p:cNvPr>
+          <p:cNvSpPr>
+            <a:spLocks noGrp="1"/>
+          </p:cNvSpPr>
+          <p:nvPr>
+            <p:ph type="title"/>
+          </p:nvPr>
+        </p:nvSpPr>
+        <p:spPr>
+          <a:xfrm>
+            <a:off x="581193" y="729658"/>
+            <a:ext cx="11029616" cy="988332"/>
+          </a:xfrm>
+        </p:spPr>
+        <p:txBody>
+          <a:bodyPr anchor="b">
+            <a:normAutofit/>
+          </a:bodyPr>
+          <a:lstStyle/>
+          <a:p>
+            <a:r>
+              <a:rPr lang="en-US" dirty="0"/>
+              <a:t>Doppler velocity</a:t>
+            </a:r>
+            <a:endParaRPr lang="en-AU" dirty="0"/>
+          </a:p>
+        </p:txBody>
+      </p:sp>
+      <p:pic>
+        <p:nvPicPr>
+          <p:cNvPr id="1026" name="Picture 2">
+            <a:extLst>
+              <a:ext uri="{FF2B5EF4-FFF2-40B4-BE49-F238E27FC236}">
+                <a16:creationId xmlns:a16="http://schemas.microsoft.com/office/drawing/2014/main" id="{9C195924-629A-4C24-AD50-F5072391BF43}"/>
+              </a:ext>
+            </a:extLst>
+          </p:cNvPr>
           <p:cNvPicPr>
             <a:picLocks noChangeAspect="1" noChangeArrowheads="1"/>
           </p:cNvPicPr>
@@ -12402,20 +12864,21 @@
               </a:ext>
             </a:extLst>
           </a:blip>
-          <a:srcRect/>
           <a:stretch>
             <a:fillRect/>
           </a:stretch>
         </p:blipFill>
         <p:spPr bwMode="auto">
           <a:xfrm>
-            <a:off x="1796258" y="1033991"/>
-            <a:ext cx="627855" cy="5243438"/>
+            <a:off x="1174626" y="2014872"/>
+            <a:ext cx="3375384" cy="3633047"/>
           </a:xfrm>
           <a:prstGeom prst="rect">
             <a:avLst/>
           </a:prstGeom>
-          <a:noFill/>
+          <a:solidFill>
+            <a:srgbClr val="FFFFFF"/>
+          </a:solidFill>
           <a:extLst>
             <a:ext uri="{909E8E84-426E-40DD-AFC4-6F175D3DCCD1}">
               <a14:hiddenFill xmlns:a14="http://schemas.microsoft.com/office/drawing/2010/main">
@@ -12427,39 +12890,10 @@
           </a:extLst>
         </p:spPr>
       </p:pic>
-      <p:sp>
-        <p:nvSpPr>
-          <p:cNvPr id="6" name="TextBox 5"/>
-          <p:cNvSpPr txBox="1"/>
-          <p:nvPr/>
-        </p:nvSpPr>
-        <p:spPr>
-          <a:xfrm>
-            <a:off x="857647" y="6268358"/>
-            <a:ext cx="2505075" cy="369332"/>
-          </a:xfrm>
-          <a:prstGeom prst="rect">
-            <a:avLst/>
-          </a:prstGeom>
-          <a:noFill/>
-        </p:spPr>
-        <p:txBody>
-          <a:bodyPr wrap="square" rtlCol="0">
-            <a:spAutoFit/>
-          </a:bodyPr>
-          <a:lstStyle/>
-          <a:p>
-            <a:r>
-              <a:rPr lang="en-AU" dirty="0"/>
-              <a:t>US NOAA scale for radar</a:t>
-            </a:r>
-          </a:p>
-        </p:txBody>
-      </p:sp>
     </p:spTree>
     <p:extLst>
       <p:ext uri="{BB962C8B-B14F-4D97-AF65-F5344CB8AC3E}">
-        <p14:creationId xmlns:p14="http://schemas.microsoft.com/office/powerpoint/2010/main" val="4050522188"/>
+        <p14:creationId xmlns:p14="http://schemas.microsoft.com/office/powerpoint/2010/main" val="1930267136"/>
       </p:ext>
     </p:extLst>
   </p:cSld>
@@ -12469,7 +12903,7 @@
 </p:sld>
 </file>
 
-<file path=ppt/slides/slide11.xml><?xml version="1.0" encoding="utf-8"?>
+<file path=ppt/slides/slide13.xml><?xml version="1.0" encoding="utf-8"?>
 <p:sld xmlns:a="http://schemas.openxmlformats.org/drawingml/2006/main" xmlns:r="http://schemas.openxmlformats.org/officeDocument/2006/relationships" xmlns:p="http://schemas.openxmlformats.org/presentationml/2006/main">
   <p:cSld>
     <p:spTree>
@@ -13310,7 +13744,402 @@
 </p:sld>
 </file>
 
+<file path=ppt/slides/slide14.xml><?xml version="1.0" encoding="utf-8"?>
+<p:sld xmlns:a="http://schemas.openxmlformats.org/drawingml/2006/main" xmlns:r="http://schemas.openxmlformats.org/officeDocument/2006/relationships" xmlns:p="http://schemas.openxmlformats.org/presentationml/2006/main">
+  <p:cSld>
+    <p:spTree>
+      <p:nvGrpSpPr>
+        <p:cNvPr id="1" name=""/>
+        <p:cNvGrpSpPr/>
+        <p:nvPr/>
+      </p:nvGrpSpPr>
+      <p:grpSpPr>
+        <a:xfrm>
+          <a:off x="0" y="0"/>
+          <a:ext cx="0" cy="0"/>
+          <a:chOff x="0" y="0"/>
+          <a:chExt cx="0" cy="0"/>
+        </a:xfrm>
+      </p:grpSpPr>
+      <p:sp>
+        <p:nvSpPr>
+          <p:cNvPr id="2" name="Title 1">
+            <a:extLst>
+              <a:ext uri="{FF2B5EF4-FFF2-40B4-BE49-F238E27FC236}">
+                <a16:creationId xmlns:a16="http://schemas.microsoft.com/office/drawing/2014/main" id="{28A33685-774F-4080-84B2-962CFD77F79A}"/>
+              </a:ext>
+            </a:extLst>
+          </p:cNvPr>
+          <p:cNvSpPr>
+            <a:spLocks noGrp="1"/>
+          </p:cNvSpPr>
+          <p:nvPr>
+            <p:ph type="title"/>
+          </p:nvPr>
+        </p:nvSpPr>
+        <p:spPr/>
+        <p:txBody>
+          <a:bodyPr/>
+          <a:lstStyle/>
+          <a:p>
+            <a:r>
+              <a:rPr lang="en-US" dirty="0"/>
+              <a:t>Bibliography</a:t>
+            </a:r>
+            <a:endParaRPr lang="en-AU" dirty="0"/>
+          </a:p>
+        </p:txBody>
+      </p:sp>
+      <p:pic>
+        <p:nvPicPr>
+          <p:cNvPr id="3074" name="Picture 2" descr="Radar Meteorology, Principles and Practice by Frederic Fabry |  9781108460392 | Booktopia">
+            <a:extLst>
+              <a:ext uri="{FF2B5EF4-FFF2-40B4-BE49-F238E27FC236}">
+                <a16:creationId xmlns:a16="http://schemas.microsoft.com/office/drawing/2014/main" id="{4A45643F-EA8A-4EF0-86BC-2718A0435FFC}"/>
+              </a:ext>
+            </a:extLst>
+          </p:cNvPr>
+          <p:cNvPicPr>
+            <a:picLocks noChangeAspect="1" noChangeArrowheads="1"/>
+          </p:cNvPicPr>
+          <p:nvPr/>
+        </p:nvPicPr>
+        <p:blipFill rotWithShape="1">
+          <a:blip r:embed="rId2">
+            <a:extLst>
+              <a:ext uri="{28A0092B-C50C-407E-A947-70E740481C1C}">
+                <a14:useLocalDpi xmlns:a14="http://schemas.microsoft.com/office/drawing/2010/main" val="0"/>
+              </a:ext>
+            </a:extLst>
+          </a:blip>
+          <a:srcRect l="11756" r="11492"/>
+          <a:stretch/>
+        </p:blipFill>
+        <p:spPr bwMode="auto">
+          <a:xfrm>
+            <a:off x="6985191" y="882926"/>
+            <a:ext cx="4386370" cy="5715000"/>
+          </a:xfrm>
+          <a:prstGeom prst="rect">
+            <a:avLst/>
+          </a:prstGeom>
+          <a:noFill/>
+          <a:extLst>
+            <a:ext uri="{909E8E84-426E-40DD-AFC4-6F175D3DCCD1}">
+              <a14:hiddenFill xmlns:a14="http://schemas.microsoft.com/office/drawing/2010/main">
+                <a:solidFill>
+                  <a:srgbClr val="FFFFFF"/>
+                </a:solidFill>
+              </a14:hiddenFill>
+            </a:ext>
+          </a:extLst>
+        </p:spPr>
+      </p:pic>
+      <p:sp>
+        <p:nvSpPr>
+          <p:cNvPr id="7" name="TextBox 6">
+            <a:extLst>
+              <a:ext uri="{FF2B5EF4-FFF2-40B4-BE49-F238E27FC236}">
+                <a16:creationId xmlns:a16="http://schemas.microsoft.com/office/drawing/2014/main" id="{3C636F1B-B04F-47A4-B94E-8E19F28C3AAC}"/>
+              </a:ext>
+            </a:extLst>
+          </p:cNvPr>
+          <p:cNvSpPr txBox="1"/>
+          <p:nvPr/>
+        </p:nvSpPr>
+        <p:spPr>
+          <a:xfrm>
+            <a:off x="581192" y="2263098"/>
+            <a:ext cx="6094854" cy="2308324"/>
+          </a:xfrm>
+          <a:prstGeom prst="rect">
+            <a:avLst/>
+          </a:prstGeom>
+          <a:noFill/>
+        </p:spPr>
+        <p:txBody>
+          <a:bodyPr wrap="square">
+            <a:spAutoFit/>
+          </a:bodyPr>
+          <a:lstStyle/>
+          <a:p>
+            <a:pPr algn="l" fontAlgn="base"/>
+            <a:r>
+              <a:rPr lang="en-US" b="0" i="0" dirty="0">
+                <a:solidFill>
+                  <a:srgbClr val="181817"/>
+                </a:solidFill>
+                <a:effectLst/>
+                <a:latin typeface="inherit"/>
+              </a:rPr>
+              <a:t>Fabry, F. (2015). </a:t>
+            </a:r>
+            <a:r>
+              <a:rPr lang="en-US" b="0" i="1" dirty="0">
+                <a:solidFill>
+                  <a:srgbClr val="181817"/>
+                </a:solidFill>
+                <a:effectLst/>
+                <a:latin typeface="noto sans" panose="020B0502040204020203" pitchFamily="34" charset="0"/>
+              </a:rPr>
+              <a:t>Radar Meteorology: Principles and Practice</a:t>
+            </a:r>
+            <a:r>
+              <a:rPr lang="en-US" b="0" i="0" dirty="0">
+                <a:solidFill>
+                  <a:srgbClr val="181817"/>
+                </a:solidFill>
+                <a:effectLst/>
+                <a:latin typeface="inherit"/>
+              </a:rPr>
+              <a:t>. Cambridge: Cambridge University Press. doi:10.1017/CBO9781107707405</a:t>
+            </a:r>
+          </a:p>
+          <a:p>
+            <a:pPr algn="l" fontAlgn="base"/>
+            <a:endParaRPr lang="en-US" dirty="0">
+              <a:solidFill>
+                <a:srgbClr val="181817"/>
+              </a:solidFill>
+              <a:latin typeface="inherit"/>
+            </a:endParaRPr>
+          </a:p>
+          <a:p>
+            <a:pPr algn="l" fontAlgn="base"/>
+            <a:r>
+              <a:rPr lang="en-US" b="0" i="0" dirty="0">
+                <a:solidFill>
+                  <a:srgbClr val="181817"/>
+                </a:solidFill>
+                <a:effectLst/>
+                <a:latin typeface="inherit"/>
+              </a:rPr>
+              <a:t>Doviak and </a:t>
+            </a:r>
+            <a:r>
+              <a:rPr lang="en-US" b="0" i="0" dirty="0" err="1">
+                <a:solidFill>
+                  <a:srgbClr val="181817"/>
+                </a:solidFill>
+                <a:effectLst/>
+                <a:latin typeface="inherit"/>
+              </a:rPr>
+              <a:t>Zrnic</a:t>
+            </a:r>
+            <a:r>
+              <a:rPr lang="en-US" b="0" i="0" dirty="0">
+                <a:solidFill>
+                  <a:srgbClr val="181817"/>
+                </a:solidFill>
+                <a:effectLst/>
+                <a:latin typeface="inherit"/>
+              </a:rPr>
+              <a:t> (2006) </a:t>
+            </a:r>
+            <a:r>
+              <a:rPr lang="en-US" b="0" i="1" dirty="0">
+                <a:solidFill>
+                  <a:srgbClr val="181817"/>
+                </a:solidFill>
+                <a:effectLst/>
+                <a:latin typeface="inherit"/>
+              </a:rPr>
+              <a:t>Doppler Radar &amp; Weather Observations.</a:t>
+            </a:r>
+            <a:r>
+              <a:rPr lang="en-US" b="0" i="0" dirty="0">
+                <a:solidFill>
+                  <a:srgbClr val="181817"/>
+                </a:solidFill>
+                <a:effectLst/>
+                <a:latin typeface="inherit"/>
+              </a:rPr>
+              <a:t> Academic Press</a:t>
+            </a:r>
+          </a:p>
+          <a:p>
+            <a:br>
+              <a:rPr lang="en-US" dirty="0"/>
+            </a:br>
+            <a:endParaRPr lang="en-AU" dirty="0"/>
+          </a:p>
+        </p:txBody>
+      </p:sp>
+    </p:spTree>
+    <p:extLst>
+      <p:ext uri="{BB962C8B-B14F-4D97-AF65-F5344CB8AC3E}">
+        <p14:creationId xmlns:p14="http://schemas.microsoft.com/office/powerpoint/2010/main" val="1690801306"/>
+      </p:ext>
+    </p:extLst>
+  </p:cSld>
+  <p:clrMapOvr>
+    <a:masterClrMapping/>
+  </p:clrMapOvr>
+</p:sld>
+</file>
+
 <file path=ppt/slides/slide2.xml><?xml version="1.0" encoding="utf-8"?>
+<p:sld xmlns:a="http://schemas.openxmlformats.org/drawingml/2006/main" xmlns:r="http://schemas.openxmlformats.org/officeDocument/2006/relationships" xmlns:p="http://schemas.openxmlformats.org/presentationml/2006/main">
+  <p:cSld>
+    <p:spTree>
+      <p:nvGrpSpPr>
+        <p:cNvPr id="1" name=""/>
+        <p:cNvGrpSpPr/>
+        <p:nvPr/>
+      </p:nvGrpSpPr>
+      <p:grpSpPr>
+        <a:xfrm>
+          <a:off x="0" y="0"/>
+          <a:ext cx="0" cy="0"/>
+          <a:chOff x="0" y="0"/>
+          <a:chExt cx="0" cy="0"/>
+        </a:xfrm>
+      </p:grpSpPr>
+      <p:sp>
+        <p:nvSpPr>
+          <p:cNvPr id="2" name="Title 1">
+            <a:extLst>
+              <a:ext uri="{FF2B5EF4-FFF2-40B4-BE49-F238E27FC236}">
+                <a16:creationId xmlns:a16="http://schemas.microsoft.com/office/drawing/2014/main" id="{2F0A7418-3704-4A87-87F1-D53C87FE003A}"/>
+              </a:ext>
+            </a:extLst>
+          </p:cNvPr>
+          <p:cNvSpPr>
+            <a:spLocks noGrp="1"/>
+          </p:cNvSpPr>
+          <p:nvPr>
+            <p:ph type="title"/>
+          </p:nvPr>
+        </p:nvSpPr>
+        <p:spPr/>
+        <p:txBody>
+          <a:bodyPr/>
+          <a:lstStyle/>
+          <a:p>
+            <a:r>
+              <a:rPr lang="en-US" dirty="0"/>
+              <a:t>Why Radars now?</a:t>
+            </a:r>
+            <a:endParaRPr lang="en-AU" dirty="0"/>
+          </a:p>
+        </p:txBody>
+      </p:sp>
+      <p:sp>
+        <p:nvSpPr>
+          <p:cNvPr id="3" name="Content Placeholder 2">
+            <a:extLst>
+              <a:ext uri="{FF2B5EF4-FFF2-40B4-BE49-F238E27FC236}">
+                <a16:creationId xmlns:a16="http://schemas.microsoft.com/office/drawing/2014/main" id="{C0CFA823-7F0C-4535-9085-9EA0B37D083B}"/>
+              </a:ext>
+            </a:extLst>
+          </p:cNvPr>
+          <p:cNvSpPr>
+            <a:spLocks noGrp="1"/>
+          </p:cNvSpPr>
+          <p:nvPr>
+            <p:ph idx="1"/>
+          </p:nvPr>
+        </p:nvSpPr>
+        <p:spPr/>
+        <p:txBody>
+          <a:bodyPr/>
+          <a:lstStyle/>
+          <a:p>
+            <a:r>
+              <a:rPr lang="en-US" dirty="0"/>
+              <a:t>Radar is the </a:t>
+            </a:r>
+            <a:r>
+              <a:rPr lang="en-US" b="1" dirty="0"/>
+              <a:t>best instrument </a:t>
+            </a:r>
+            <a:r>
+              <a:rPr lang="en-US" dirty="0"/>
+              <a:t>for monitoring the occurrence and movement of </a:t>
+            </a:r>
+            <a:r>
+              <a:rPr lang="en-US" b="1" dirty="0"/>
+              <a:t>precipitation</a:t>
+            </a:r>
+            <a:r>
+              <a:rPr lang="en-US" dirty="0"/>
+              <a:t> (and people do care about precipitation).</a:t>
+            </a:r>
+            <a:endParaRPr lang="en-AU" dirty="0"/>
+          </a:p>
+          <a:p>
+            <a:r>
+              <a:rPr lang="en-AU" dirty="0"/>
+              <a:t>Radars provide the best information for precipitation </a:t>
+            </a:r>
+            <a:r>
+              <a:rPr lang="en-AU" b="1" dirty="0"/>
+              <a:t>timing, location, probability, intensity and type </a:t>
+            </a:r>
+            <a:r>
+              <a:rPr lang="en-AU" dirty="0"/>
+              <a:t>in the short term (0 – 6 hrs)</a:t>
+            </a:r>
+          </a:p>
+          <a:p>
+            <a:r>
+              <a:rPr lang="en-AU" dirty="0"/>
+              <a:t>Best tool to detect or infer the </a:t>
+            </a:r>
+            <a:r>
+              <a:rPr lang="en-AU" b="1" dirty="0"/>
+              <a:t>presence of many hazardous weather conditions </a:t>
+            </a:r>
+            <a:r>
+              <a:rPr lang="en-AU" dirty="0"/>
+              <a:t>(severe thunderstorms, hail, tornadoes).</a:t>
+            </a:r>
+          </a:p>
+          <a:p>
+            <a:r>
+              <a:rPr lang="en-AU" dirty="0"/>
+              <a:t>It </a:t>
+            </a:r>
+            <a:r>
+              <a:rPr lang="en-AU" b="1" dirty="0"/>
+              <a:t>can see within storms</a:t>
+            </a:r>
+            <a:r>
+              <a:rPr lang="en-AU" dirty="0"/>
+              <a:t>, and assess the severity</a:t>
+            </a:r>
+          </a:p>
+          <a:p>
+            <a:r>
+              <a:rPr lang="en-AU" dirty="0"/>
+              <a:t>The information is available </a:t>
+            </a:r>
+            <a:r>
+              <a:rPr lang="en-AU" b="1" dirty="0"/>
+              <a:t>immediately</a:t>
+            </a:r>
+            <a:r>
+              <a:rPr lang="en-AU" dirty="0"/>
+              <a:t> and can be used at once.</a:t>
+            </a:r>
+            <a:endParaRPr lang="en-US" dirty="0"/>
+          </a:p>
+        </p:txBody>
+      </p:sp>
+    </p:spTree>
+    <p:extLst>
+      <p:ext uri="{BB962C8B-B14F-4D97-AF65-F5344CB8AC3E}">
+        <p14:creationId xmlns:p14="http://schemas.microsoft.com/office/powerpoint/2010/main" val="1828077865"/>
+      </p:ext>
+    </p:extLst>
+  </p:cSld>
+  <p:clrMapOvr>
+    <a:masterClrMapping/>
+  </p:clrMapOvr>
+</p:sld>
+</file>
+
+<file path=ppt/slides/slide3.xml><?xml version="1.0" encoding="utf-8"?>
 <p:sld xmlns:a="http://schemas.openxmlformats.org/drawingml/2006/main" xmlns:r="http://schemas.openxmlformats.org/officeDocument/2006/relationships" xmlns:p="http://schemas.openxmlformats.org/presentationml/2006/main">
   <p:cSld>
     <p:spTree>
@@ -13442,7 +14271,7 @@
 </p:sld>
 </file>
 
-<file path=ppt/slides/slide3.xml><?xml version="1.0" encoding="utf-8"?>
+<file path=ppt/slides/slide4.xml><?xml version="1.0" encoding="utf-8"?>
 <p:sld xmlns:a="http://schemas.openxmlformats.org/drawingml/2006/main" xmlns:r="http://schemas.openxmlformats.org/officeDocument/2006/relationships" xmlns:p="http://schemas.openxmlformats.org/presentationml/2006/main">
   <p:cSld>
     <p:spTree>
@@ -13492,7 +14321,7 @@
           </p:nvPr>
         </p:nvPicPr>
         <p:blipFill>
-          <a:blip r:embed="rId2">
+          <a:blip r:embed="rId3">
             <a:extLst>
               <a:ext uri="{28A0092B-C50C-407E-A947-70E740481C1C}">
                 <a14:useLocalDpi xmlns:a14="http://schemas.microsoft.com/office/drawing/2010/main" val="0"/>
@@ -13523,7 +14352,7 @@
 </p:sld>
 </file>
 
-<file path=ppt/slides/slide4.xml><?xml version="1.0" encoding="utf-8"?>
+<file path=ppt/slides/slide5.xml><?xml version="1.0" encoding="utf-8"?>
 <p:sld xmlns:a="http://schemas.openxmlformats.org/drawingml/2006/main" xmlns:r="http://schemas.openxmlformats.org/officeDocument/2006/relationships" xmlns:p="http://schemas.openxmlformats.org/presentationml/2006/main">
   <p:cSld>
     <p:spTree>
@@ -13612,7 +14441,7 @@
 </p:sld>
 </file>
 
-<file path=ppt/slides/slide5.xml><?xml version="1.0" encoding="utf-8"?>
+<file path=ppt/slides/slide6.xml><?xml version="1.0" encoding="utf-8"?>
 <p:sld xmlns:a="http://schemas.openxmlformats.org/drawingml/2006/main" xmlns:r="http://schemas.openxmlformats.org/officeDocument/2006/relationships" xmlns:p="http://schemas.openxmlformats.org/presentationml/2006/main">
   <p:cSld>
     <p:spTree>
@@ -13697,7 +14526,7 @@
 </p:sld>
 </file>
 
-<file path=ppt/slides/slide6.xml><?xml version="1.0" encoding="utf-8"?>
+<file path=ppt/slides/slide7.xml><?xml version="1.0" encoding="utf-8"?>
 <p:sld xmlns:a="http://schemas.openxmlformats.org/drawingml/2006/main" xmlns:r="http://schemas.openxmlformats.org/officeDocument/2006/relationships" xmlns:p="http://schemas.openxmlformats.org/presentationml/2006/main">
   <p:cSld>
     <p:spTree>
@@ -13780,7 +14609,7 @@
 </p:sld>
 </file>
 
-<file path=ppt/slides/slide7.xml><?xml version="1.0" encoding="utf-8"?>
+<file path=ppt/slides/slide8.xml><?xml version="1.0" encoding="utf-8"?>
 <p:sld xmlns:a="http://schemas.openxmlformats.org/drawingml/2006/main" xmlns:r="http://schemas.openxmlformats.org/officeDocument/2006/relationships" xmlns:p="http://schemas.openxmlformats.org/presentationml/2006/main">
   <p:cSld>
     <p:spTree>
@@ -13808,7 +14637,7 @@
           </p:nvPr>
         </p:nvPicPr>
         <p:blipFill>
-          <a:blip r:embed="rId2">
+          <a:blip r:embed="rId3">
             <a:extLst>
               <a:ext uri="{28A0092B-C50C-407E-A947-70E740481C1C}">
                 <a14:useLocalDpi xmlns:a14="http://schemas.microsoft.com/office/drawing/2010/main" val="0"/>
@@ -13821,7 +14650,7 @@
         </p:blipFill>
         <p:spPr>
           <a:xfrm>
-            <a:off x="4350328" y="727094"/>
+            <a:off x="898436" y="747286"/>
             <a:ext cx="3195782" cy="3956070"/>
           </a:xfrm>
         </p:spPr>
@@ -13834,8 +14663,8 @@
         </p:nvSpPr>
         <p:spPr>
           <a:xfrm>
-            <a:off x="3258132" y="5040314"/>
-            <a:ext cx="5380174" cy="646331"/>
+            <a:off x="898435" y="4922635"/>
+            <a:ext cx="3195783" cy="1244409"/>
           </a:xfrm>
           <a:prstGeom prst="rect">
             <a:avLst/>
@@ -13855,6 +14684,74 @@
           </a:p>
         </p:txBody>
       </p:sp>
+      <p:sp>
+        <p:nvSpPr>
+          <p:cNvPr id="6" name="TextBox 5">
+            <a:extLst>
+              <a:ext uri="{FF2B5EF4-FFF2-40B4-BE49-F238E27FC236}">
+                <a16:creationId xmlns:a16="http://schemas.microsoft.com/office/drawing/2014/main" id="{D7F4731E-B24A-41D7-B30C-C2F6120CF633}"/>
+              </a:ext>
+            </a:extLst>
+          </p:cNvPr>
+          <p:cNvSpPr txBox="1"/>
+          <p:nvPr/>
+        </p:nvSpPr>
+        <p:spPr>
+          <a:xfrm>
+            <a:off x="5802341" y="5074489"/>
+            <a:ext cx="5380174" cy="369332"/>
+          </a:xfrm>
+          <a:prstGeom prst="rect">
+            <a:avLst/>
+          </a:prstGeom>
+          <a:noFill/>
+        </p:spPr>
+        <p:txBody>
+          <a:bodyPr wrap="square" rtlCol="0">
+            <a:spAutoFit/>
+          </a:bodyPr>
+          <a:lstStyle/>
+          <a:p>
+            <a:r>
+              <a:rPr lang="en-AU" dirty="0"/>
+              <a:t>New Dual-Polarisation radar in Mildura, VIC.</a:t>
+            </a:r>
+          </a:p>
+        </p:txBody>
+      </p:sp>
+      <p:pic>
+        <p:nvPicPr>
+          <p:cNvPr id="4" name="Online Media 3" title="A new radar for Mildura">
+            <a:hlinkClick r:id="" action="ppaction://media"/>
+            <a:extLst>
+              <a:ext uri="{FF2B5EF4-FFF2-40B4-BE49-F238E27FC236}">
+                <a16:creationId xmlns:a16="http://schemas.microsoft.com/office/drawing/2014/main" id="{38862A21-493B-4BA3-AFD1-BECDEDD97013}"/>
+              </a:ext>
+            </a:extLst>
+          </p:cNvPr>
+          <p:cNvPicPr>
+            <a:picLocks noRot="1" noChangeAspect="1"/>
+          </p:cNvPicPr>
+          <p:nvPr>
+            <a:videoFile r:link="rId1"/>
+          </p:nvPr>
+        </p:nvPicPr>
+        <p:blipFill>
+          <a:blip r:embed="rId4"/>
+          <a:stretch>
+            <a:fillRect/>
+          </a:stretch>
+        </p:blipFill>
+        <p:spPr>
+          <a:xfrm>
+            <a:off x="5503228" y="1494559"/>
+            <a:ext cx="5679287" cy="3208797"/>
+          </a:xfrm>
+          <a:prstGeom prst="rect">
+            <a:avLst/>
+          </a:prstGeom>
+        </p:spPr>
+      </p:pic>
     </p:spTree>
     <p:extLst>
       <p:ext uri="{BB962C8B-B14F-4D97-AF65-F5344CB8AC3E}">
@@ -13865,10 +14762,145 @@
   <p:clrMapOvr>
     <a:masterClrMapping/>
   </p:clrMapOvr>
+  <p:timing>
+    <p:tnLst>
+      <p:par>
+        <p:cTn id="1" dur="indefinite" restart="never" nodeType="tmRoot">
+          <p:childTnLst>
+            <p:seq concurrent="1" nextAc="seek">
+              <p:cTn id="2" dur="indefinite" nodeType="mainSeq">
+                <p:childTnLst>
+                  <p:par>
+                    <p:cTn id="3" fill="hold">
+                      <p:stCondLst>
+                        <p:cond delay="indefinite"/>
+                      </p:stCondLst>
+                      <p:childTnLst>
+                        <p:par>
+                          <p:cTn id="4" fill="hold">
+                            <p:stCondLst>
+                              <p:cond delay="0"/>
+                            </p:stCondLst>
+                            <p:childTnLst>
+                              <p:par>
+                                <p:cTn id="5" presetID="1" presetClass="mediacall" presetSubtype="0" fill="hold" nodeType="clickEffect">
+                                  <p:stCondLst>
+                                    <p:cond delay="0"/>
+                                  </p:stCondLst>
+                                  <p:childTnLst>
+                                    <p:cmd type="call" cmd="playFrom(0.0)">
+                                      <p:cBhvr>
+                                        <p:cTn id="6" dur="1" fill="hold"/>
+                                        <p:tgtEl>
+                                          <p:spTgt spid="4"/>
+                                        </p:tgtEl>
+                                      </p:cBhvr>
+                                    </p:cmd>
+                                  </p:childTnLst>
+                                </p:cTn>
+                              </p:par>
+                            </p:childTnLst>
+                          </p:cTn>
+                        </p:par>
+                      </p:childTnLst>
+                    </p:cTn>
+                  </p:par>
+                </p:childTnLst>
+              </p:cTn>
+              <p:prevCondLst>
+                <p:cond evt="onPrev" delay="0">
+                  <p:tgtEl>
+                    <p:sldTgt/>
+                  </p:tgtEl>
+                </p:cond>
+              </p:prevCondLst>
+              <p:nextCondLst>
+                <p:cond evt="onNext" delay="0">
+                  <p:tgtEl>
+                    <p:sldTgt/>
+                  </p:tgtEl>
+                </p:cond>
+              </p:nextCondLst>
+            </p:seq>
+            <p:video>
+              <p:cMediaNode vol="80000">
+                <p:cTn id="7" fill="hold" display="0">
+                  <p:stCondLst>
+                    <p:cond delay="indefinite"/>
+                  </p:stCondLst>
+                </p:cTn>
+                <p:tgtEl>
+                  <p:spTgt spid="4"/>
+                </p:tgtEl>
+              </p:cMediaNode>
+            </p:video>
+            <p:seq concurrent="1" nextAc="seek">
+              <p:cTn id="8" restart="whenNotActive" fill="hold" evtFilter="cancelBubble" nodeType="interactiveSeq">
+                <p:stCondLst>
+                  <p:cond evt="onClick" delay="0">
+                    <p:tgtEl>
+                      <p:spTgt spid="4"/>
+                    </p:tgtEl>
+                  </p:cond>
+                </p:stCondLst>
+                <p:endSync evt="end" delay="0">
+                  <p:rtn val="all"/>
+                </p:endSync>
+                <p:childTnLst>
+                  <p:par>
+                    <p:cTn id="9" fill="hold">
+                      <p:stCondLst>
+                        <p:cond delay="0"/>
+                      </p:stCondLst>
+                      <p:childTnLst>
+                        <p:par>
+                          <p:cTn id="10" fill="hold">
+                            <p:stCondLst>
+                              <p:cond delay="0"/>
+                            </p:stCondLst>
+                            <p:childTnLst>
+                              <p:par>
+                                <p:cTn id="11" presetID="2" presetClass="mediacall" presetSubtype="0" fill="hold" nodeType="clickEffect">
+                                  <p:stCondLst>
+                                    <p:cond delay="0"/>
+                                  </p:stCondLst>
+                                  <p:childTnLst>
+                                    <p:cmd type="call" cmd="togglePause">
+                                      <p:cBhvr>
+                                        <p:cTn id="12" dur="1" fill="hold"/>
+                                        <p:tgtEl>
+                                          <p:spTgt spid="4"/>
+                                        </p:tgtEl>
+                                      </p:cBhvr>
+                                    </p:cmd>
+                                  </p:childTnLst>
+                                </p:cTn>
+                              </p:par>
+                            </p:childTnLst>
+                          </p:cTn>
+                        </p:par>
+                      </p:childTnLst>
+                    </p:cTn>
+                  </p:par>
+                </p:childTnLst>
+              </p:cTn>
+              <p:nextCondLst>
+                <p:cond evt="onClick" delay="0">
+                  <p:tgtEl>
+                    <p:spTgt spid="4"/>
+                  </p:tgtEl>
+                </p:cond>
+              </p:nextCondLst>
+            </p:seq>
+          </p:childTnLst>
+        </p:cTn>
+      </p:par>
+    </p:tnLst>
+  </p:timing>
 </p:sld>
 </file>
 
-<file path=ppt/slides/slide8.xml><?xml version="1.0" encoding="utf-8"?>
+<file path=ppt/slides/slide9.xml><?xml version="1.0" encoding="utf-8"?>
 <p:sld xmlns:a="http://schemas.openxmlformats.org/drawingml/2006/main" xmlns:r="http://schemas.openxmlformats.org/officeDocument/2006/relationships" xmlns:p="http://schemas.openxmlformats.org/presentationml/2006/main">
   <p:cSld>
     <p:spTree>
@@ -14189,245 +15221,6 @@
     <p:extLst>
       <p:ext uri="{BB962C8B-B14F-4D97-AF65-F5344CB8AC3E}">
         <p14:creationId xmlns:p14="http://schemas.microsoft.com/office/powerpoint/2010/main" val="3964174624"/>
-      </p:ext>
-    </p:extLst>
-  </p:cSld>
-  <p:clrMapOvr>
-    <a:masterClrMapping/>
-  </p:clrMapOvr>
-</p:sld>
-</file>
-
-<file path=ppt/slides/slide9.xml><?xml version="1.0" encoding="utf-8"?>
-<p:sld xmlns:a="http://schemas.openxmlformats.org/drawingml/2006/main" xmlns:r="http://schemas.openxmlformats.org/officeDocument/2006/relationships" xmlns:p="http://schemas.openxmlformats.org/presentationml/2006/main">
-  <p:cSld>
-    <p:spTree>
-      <p:nvGrpSpPr>
-        <p:cNvPr id="1" name=""/>
-        <p:cNvGrpSpPr/>
-        <p:nvPr/>
-      </p:nvGrpSpPr>
-      <p:grpSpPr>
-        <a:xfrm>
-          <a:off x="0" y="0"/>
-          <a:ext cx="0" cy="0"/>
-          <a:chOff x="0" y="0"/>
-          <a:chExt cx="0" cy="0"/>
-        </a:xfrm>
-      </p:grpSpPr>
-      <p:sp>
-        <p:nvSpPr>
-          <p:cNvPr id="2" name="Title 1"/>
-          <p:cNvSpPr>
-            <a:spLocks noGrp="1"/>
-          </p:cNvSpPr>
-          <p:nvPr>
-            <p:ph type="title"/>
-          </p:nvPr>
-        </p:nvSpPr>
-        <p:spPr/>
-        <p:txBody>
-          <a:bodyPr/>
-          <a:lstStyle/>
-          <a:p>
-            <a:r>
-              <a:rPr lang="en-AU" dirty="0"/>
-              <a:t>What you should know about radars:</a:t>
-            </a:r>
-          </a:p>
-        </p:txBody>
-      </p:sp>
-      <mc:AlternateContent xmlns:mc="http://schemas.openxmlformats.org/markup-compatibility/2006" xmlns:a14="http://schemas.microsoft.com/office/drawing/2010/main">
-        <mc:Choice Requires="a14">
-          <p:sp>
-            <p:nvSpPr>
-              <p:cNvPr id="3" name="Content Placeholder 2"/>
-              <p:cNvSpPr>
-                <a:spLocks noGrp="1"/>
-              </p:cNvSpPr>
-              <p:nvPr>
-                <p:ph idx="1"/>
-              </p:nvPr>
-            </p:nvSpPr>
-            <p:spPr/>
-            <p:txBody>
-              <a:bodyPr/>
-              <a:lstStyle/>
-              <a:p>
-                <a:r>
-                  <a:rPr lang="en-AU" dirty="0"/>
-                  <a:t>Note that because the reflectivity is proportional to the number of particles measured in one pulse, it is a huge number. So we prefer to use a logarithmic scale:</a:t>
-                </a:r>
-              </a:p>
-              <a:p>
-                <a:pPr marL="0" indent="0">
-                  <a:buNone/>
-                </a:pPr>
-                <a14:m>
-                  <m:oMathPara xmlns:m="http://schemas.openxmlformats.org/officeDocument/2006/math">
-                    <m:oMathParaPr>
-                      <m:jc m:val="centerGroup"/>
-                    </m:oMathParaPr>
-                    <m:oMath xmlns:m="http://schemas.openxmlformats.org/officeDocument/2006/math">
-                      <m:sSub>
-                        <m:sSubPr>
-                          <m:ctrlPr>
-                            <a:rPr lang="en-AU" sz="2000" b="0" i="1" smtClean="0">
-                              <a:latin typeface="Cambria Math" panose="02040503050406030204" pitchFamily="18" charset="0"/>
-                            </a:rPr>
-                          </m:ctrlPr>
-                        </m:sSubPr>
-                        <m:e>
-                          <m:r>
-                            <a:rPr lang="en-AU" sz="2000" b="0" i="1" smtClean="0">
-                              <a:latin typeface="Cambria Math" panose="02040503050406030204" pitchFamily="18" charset="0"/>
-                            </a:rPr>
-                            <m:t>𝑍</m:t>
-                          </m:r>
-                        </m:e>
-                        <m:sub>
-                          <m:r>
-                            <a:rPr lang="en-AU" sz="2000" b="0" i="1" smtClean="0">
-                              <a:latin typeface="Cambria Math" panose="02040503050406030204" pitchFamily="18" charset="0"/>
-                            </a:rPr>
-                            <m:t>𝑒</m:t>
-                          </m:r>
-                        </m:sub>
-                      </m:sSub>
-                      <m:d>
-                        <m:dPr>
-                          <m:ctrlPr>
-                            <a:rPr lang="en-AU" sz="2000" b="0" i="1" smtClean="0">
-                              <a:latin typeface="Cambria Math" panose="02040503050406030204" pitchFamily="18" charset="0"/>
-                            </a:rPr>
-                          </m:ctrlPr>
-                        </m:dPr>
-                        <m:e>
-                          <m:r>
-                            <a:rPr lang="en-AU" sz="2000" b="0" i="1" smtClean="0">
-                              <a:latin typeface="Cambria Math" panose="02040503050406030204" pitchFamily="18" charset="0"/>
-                            </a:rPr>
-                            <m:t>𝑑𝐵𝑍</m:t>
-                          </m:r>
-                        </m:e>
-                      </m:d>
-                      <m:r>
-                        <a:rPr lang="en-AU" sz="2000" b="0" i="1" smtClean="0">
-                          <a:latin typeface="Cambria Math" panose="02040503050406030204" pitchFamily="18" charset="0"/>
-                        </a:rPr>
-                        <m:t>=10</m:t>
-                      </m:r>
-                      <m:func>
-                        <m:funcPr>
-                          <m:ctrlPr>
-                            <a:rPr lang="en-AU" sz="2000" b="0" i="1" smtClean="0">
-                              <a:latin typeface="Cambria Math" panose="02040503050406030204" pitchFamily="18" charset="0"/>
-                            </a:rPr>
-                          </m:ctrlPr>
-                        </m:funcPr>
-                        <m:fName>
-                          <m:r>
-                            <m:rPr>
-                              <m:sty m:val="p"/>
-                            </m:rPr>
-                            <a:rPr lang="en-AU" sz="2000" b="0" i="0" smtClean="0">
-                              <a:latin typeface="Cambria Math" panose="02040503050406030204" pitchFamily="18" charset="0"/>
-                            </a:rPr>
-                            <m:t>log</m:t>
-                          </m:r>
-                        </m:fName>
-                        <m:e>
-                          <m:r>
-                            <a:rPr lang="en-AU" sz="2000" b="0" i="1" smtClean="0">
-                              <a:latin typeface="Cambria Math" panose="02040503050406030204" pitchFamily="18" charset="0"/>
-                            </a:rPr>
-                            <m:t>𝑍</m:t>
-                          </m:r>
-                        </m:e>
-                      </m:func>
-                    </m:oMath>
-                  </m:oMathPara>
-                </a14:m>
-                <a:endParaRPr lang="en-AU" sz="2000" dirty="0"/>
-              </a:p>
-              <a:p>
-                <a:pPr marL="0" indent="0">
-                  <a:buNone/>
-                </a:pPr>
-                <a:r>
-                  <a:rPr lang="en-AU" sz="1800" dirty="0" err="1"/>
-                  <a:t>dBZ</a:t>
-                </a:r>
-                <a:r>
-                  <a:rPr lang="en-AU" sz="1800" dirty="0"/>
-                  <a:t> is the unit decibel of Z. </a:t>
-                </a:r>
-                <a:r>
-                  <a:rPr lang="en-AU" sz="1800" dirty="0" err="1"/>
-                  <a:t>Ze</a:t>
-                </a:r>
-                <a:r>
-                  <a:rPr lang="en-AU" sz="1800" dirty="0"/>
-                  <a:t> is the equivalent reflectivity factor, but we just call it </a:t>
-                </a:r>
-                <a:r>
-                  <a:rPr lang="en-AU" sz="1800" b="1" dirty="0"/>
-                  <a:t>reflectivity</a:t>
-                </a:r>
-                <a:r>
-                  <a:rPr lang="en-AU" sz="1800" dirty="0"/>
-                  <a:t>. Z is the natural reflectivity and we call it, generally, the </a:t>
-                </a:r>
-                <a:r>
-                  <a:rPr lang="en-AU" sz="1800" b="1" dirty="0"/>
-                  <a:t>linear reflectivity</a:t>
-                </a:r>
-                <a:r>
-                  <a:rPr lang="en-AU" sz="1800" dirty="0"/>
-                  <a:t>.</a:t>
-                </a:r>
-              </a:p>
-            </p:txBody>
-          </p:sp>
-        </mc:Choice>
-        <mc:Fallback xmlns="">
-          <p:sp>
-            <p:nvSpPr>
-              <p:cNvPr id="3" name="Content Placeholder 2"/>
-              <p:cNvSpPr>
-                <a:spLocks noGrp="1" noRot="1" noChangeAspect="1" noMove="1" noResize="1" noEditPoints="1" noAdjustHandles="1" noChangeArrowheads="1" noChangeShapeType="1" noTextEdit="1"/>
-              </p:cNvSpPr>
-              <p:nvPr>
-                <p:ph idx="1"/>
-              </p:nvPr>
-            </p:nvSpPr>
-            <p:spPr>
-              <a:blipFill>
-                <a:blip r:embed="rId2"/>
-                <a:stretch>
-                  <a:fillRect l="-442"/>
-                </a:stretch>
-              </a:blipFill>
-            </p:spPr>
-            <p:txBody>
-              <a:bodyPr/>
-              <a:lstStyle/>
-              <a:p>
-                <a:r>
-                  <a:rPr lang="en-AU">
-                    <a:noFill/>
-                  </a:rPr>
-                  <a:t> </a:t>
-                </a:r>
-              </a:p>
-            </p:txBody>
-          </p:sp>
-        </mc:Fallback>
-      </mc:AlternateContent>
-    </p:spTree>
-    <p:extLst>
-      <p:ext uri="{BB962C8B-B14F-4D97-AF65-F5344CB8AC3E}">
-        <p14:creationId xmlns:p14="http://schemas.microsoft.com/office/powerpoint/2010/main" val="108369842"/>
       </p:ext>
     </p:extLst>
   </p:cSld>
